--- a/Early Detection of Lung Cancer Nodules through Capsule Neural Network (2) (1).pptx
+++ b/Early Detection of Lung Cancer Nodules through Capsule Neural Network (2) (1).pptx
@@ -5,22 +5,23 @@
     <p:sldMasterId id="2147483648" r:id="rId1"/>
   </p:sldMasterIdLst>
   <p:notesMasterIdLst>
-    <p:notesMasterId r:id="rId15"/>
+    <p:notesMasterId r:id="rId16"/>
   </p:notesMasterIdLst>
   <p:sldIdLst>
     <p:sldId id="264" r:id="rId2"/>
     <p:sldId id="265" r:id="rId3"/>
     <p:sldId id="266" r:id="rId4"/>
     <p:sldId id="258" r:id="rId5"/>
-    <p:sldId id="268" r:id="rId6"/>
-    <p:sldId id="257" r:id="rId7"/>
-    <p:sldId id="261" r:id="rId8"/>
-    <p:sldId id="270" r:id="rId9"/>
-    <p:sldId id="271" r:id="rId10"/>
-    <p:sldId id="272" r:id="rId11"/>
-    <p:sldId id="273" r:id="rId12"/>
-    <p:sldId id="260" r:id="rId13"/>
-    <p:sldId id="269" r:id="rId14"/>
+    <p:sldId id="274" r:id="rId6"/>
+    <p:sldId id="268" r:id="rId7"/>
+    <p:sldId id="257" r:id="rId8"/>
+    <p:sldId id="261" r:id="rId9"/>
+    <p:sldId id="270" r:id="rId10"/>
+    <p:sldId id="271" r:id="rId11"/>
+    <p:sldId id="272" r:id="rId12"/>
+    <p:sldId id="273" r:id="rId13"/>
+    <p:sldId id="260" r:id="rId14"/>
+    <p:sldId id="269" r:id="rId15"/>
   </p:sldIdLst>
   <p:sldSz cx="12192000" cy="6858000"/>
   <p:notesSz cx="6858000" cy="9144000"/>
@@ -220,7 +221,7 @@
           <a:p>
             <a:fld id="{95027B0B-E4EC-4817-B8AE-E1F5A0E43040}" type="datetimeFigureOut">
               <a:rPr lang="en-US" smtClean="0"/>
-              <a:t>11/18/2025</a:t>
+              <a:t>12/10/2025</a:t>
             </a:fld>
             <a:endParaRPr lang="en-US" dirty="0"/>
           </a:p>
@@ -1494,7 +1495,7 @@
           <a:p>
             <a:fld id="{2021EB0C-0560-453E-ACFF-9C455F55CF40}" type="datetimeFigureOut">
               <a:rPr lang="en-US" smtClean="0"/>
-              <a:t>11/18/2025</a:t>
+              <a:t>12/10/2025</a:t>
             </a:fld>
             <a:endParaRPr lang="en-US" dirty="0"/>
           </a:p>
@@ -1692,7 +1693,7 @@
           <a:p>
             <a:fld id="{2021EB0C-0560-453E-ACFF-9C455F55CF40}" type="datetimeFigureOut">
               <a:rPr lang="en-US" smtClean="0"/>
-              <a:t>11/18/2025</a:t>
+              <a:t>12/10/2025</a:t>
             </a:fld>
             <a:endParaRPr lang="en-US" dirty="0"/>
           </a:p>
@@ -1900,7 +1901,7 @@
           <a:p>
             <a:fld id="{2021EB0C-0560-453E-ACFF-9C455F55CF40}" type="datetimeFigureOut">
               <a:rPr lang="en-US" smtClean="0"/>
-              <a:t>11/18/2025</a:t>
+              <a:t>12/10/2025</a:t>
             </a:fld>
             <a:endParaRPr lang="en-US" dirty="0"/>
           </a:p>
@@ -2098,7 +2099,7 @@
           <a:p>
             <a:fld id="{2021EB0C-0560-453E-ACFF-9C455F55CF40}" type="datetimeFigureOut">
               <a:rPr lang="en-US" smtClean="0"/>
-              <a:t>11/18/2025</a:t>
+              <a:t>12/10/2025</a:t>
             </a:fld>
             <a:endParaRPr lang="en-US" dirty="0"/>
           </a:p>
@@ -2373,7 +2374,7 @@
           <a:p>
             <a:fld id="{2021EB0C-0560-453E-ACFF-9C455F55CF40}" type="datetimeFigureOut">
               <a:rPr lang="en-US" smtClean="0"/>
-              <a:t>11/18/2025</a:t>
+              <a:t>12/10/2025</a:t>
             </a:fld>
             <a:endParaRPr lang="en-US" dirty="0"/>
           </a:p>
@@ -2638,7 +2639,7 @@
           <a:p>
             <a:fld id="{2021EB0C-0560-453E-ACFF-9C455F55CF40}" type="datetimeFigureOut">
               <a:rPr lang="en-US" smtClean="0"/>
-              <a:t>11/18/2025</a:t>
+              <a:t>12/10/2025</a:t>
             </a:fld>
             <a:endParaRPr lang="en-US" dirty="0"/>
           </a:p>
@@ -3050,7 +3051,7 @@
           <a:p>
             <a:fld id="{2021EB0C-0560-453E-ACFF-9C455F55CF40}" type="datetimeFigureOut">
               <a:rPr lang="en-US" smtClean="0"/>
-              <a:t>11/18/2025</a:t>
+              <a:t>12/10/2025</a:t>
             </a:fld>
             <a:endParaRPr lang="en-US" dirty="0"/>
           </a:p>
@@ -3191,7 +3192,7 @@
           <a:p>
             <a:fld id="{2021EB0C-0560-453E-ACFF-9C455F55CF40}" type="datetimeFigureOut">
               <a:rPr lang="en-US" smtClean="0"/>
-              <a:t>11/18/2025</a:t>
+              <a:t>12/10/2025</a:t>
             </a:fld>
             <a:endParaRPr lang="en-US" dirty="0"/>
           </a:p>
@@ -3304,7 +3305,7 @@
           <a:p>
             <a:fld id="{2021EB0C-0560-453E-ACFF-9C455F55CF40}" type="datetimeFigureOut">
               <a:rPr lang="en-US" smtClean="0"/>
-              <a:t>11/18/2025</a:t>
+              <a:t>12/10/2025</a:t>
             </a:fld>
             <a:endParaRPr lang="en-US" dirty="0"/>
           </a:p>
@@ -3615,7 +3616,7 @@
           <a:p>
             <a:fld id="{2021EB0C-0560-453E-ACFF-9C455F55CF40}" type="datetimeFigureOut">
               <a:rPr lang="en-US" smtClean="0"/>
-              <a:t>11/18/2025</a:t>
+              <a:t>12/10/2025</a:t>
             </a:fld>
             <a:endParaRPr lang="en-US" dirty="0"/>
           </a:p>
@@ -3903,7 +3904,7 @@
           <a:p>
             <a:fld id="{2021EB0C-0560-453E-ACFF-9C455F55CF40}" type="datetimeFigureOut">
               <a:rPr lang="en-US" smtClean="0"/>
-              <a:t>11/18/2025</a:t>
+              <a:t>12/10/2025</a:t>
             </a:fld>
             <a:endParaRPr lang="en-US" dirty="0"/>
           </a:p>
@@ -4144,7 +4145,7 @@
           <a:p>
             <a:fld id="{2021EB0C-0560-453E-ACFF-9C455F55CF40}" type="datetimeFigureOut">
               <a:rPr lang="en-US" smtClean="0"/>
-              <a:t>11/18/2025</a:t>
+              <a:t>12/10/2025</a:t>
             </a:fld>
             <a:endParaRPr lang="en-US" dirty="0"/>
           </a:p>
@@ -4981,6 +4982,481 @@
         <p:cNvPr id="1" name="">
           <a:extLst>
             <a:ext uri="{FF2B5EF4-FFF2-40B4-BE49-F238E27FC236}">
+              <a16:creationId xmlns:a16="http://schemas.microsoft.com/office/drawing/2014/main" id="{97F6EC81-9542-3ED9-9709-4282EB15C5F6}"/>
+            </a:ext>
+          </a:extLst>
+        </p:cNvPr>
+        <p:cNvGrpSpPr/>
+        <p:nvPr/>
+      </p:nvGrpSpPr>
+      <p:grpSpPr>
+        <a:xfrm>
+          <a:off x="0" y="0"/>
+          <a:ext cx="0" cy="0"/>
+          <a:chOff x="0" y="0"/>
+          <a:chExt cx="0" cy="0"/>
+        </a:xfrm>
+      </p:grpSpPr>
+      <p:sp>
+        <p:nvSpPr>
+          <p:cNvPr id="2" name="Title 1">
+            <a:extLst>
+              <a:ext uri="{FF2B5EF4-FFF2-40B4-BE49-F238E27FC236}">
+                <a16:creationId xmlns:a16="http://schemas.microsoft.com/office/drawing/2014/main" id="{44B45102-00E6-66CC-8BD6-9F064E625367}"/>
+              </a:ext>
+            </a:extLst>
+          </p:cNvPr>
+          <p:cNvSpPr>
+            <a:spLocks noGrp="1"/>
+          </p:cNvSpPr>
+          <p:nvPr>
+            <p:ph type="title"/>
+          </p:nvPr>
+        </p:nvSpPr>
+        <p:spPr>
+          <a:xfrm>
+            <a:off x="136466" y="474133"/>
+            <a:ext cx="10515600" cy="1325563"/>
+          </a:xfrm>
+        </p:spPr>
+        <p:txBody>
+          <a:bodyPr/>
+          <a:lstStyle/>
+          <a:p>
+            <a:r>
+              <a:rPr lang="en-US" sz="3600" b="1" dirty="0">
+                <a:solidFill>
+                  <a:srgbClr val="002060"/>
+                </a:solidFill>
+                <a:latin typeface="Cambria"/>
+                <a:ea typeface="Cambria"/>
+                <a:cs typeface="+mn-cs"/>
+              </a:rPr>
+              <a:t>Model Evaluation</a:t>
+            </a:r>
+            <a:br>
+              <a:rPr lang="en-US" sz="2000" dirty="0">
+                <a:latin typeface="Times New Roman" panose="02020603050405020304" charset="0"/>
+                <a:cs typeface="Times New Roman" panose="02020603050405020304" charset="0"/>
+                <a:sym typeface="+mn-ea"/>
+              </a:rPr>
+            </a:br>
+            <a:br>
+              <a:rPr lang="en-US" sz="2000" dirty="0"/>
+            </a:br>
+            <a:endParaRPr lang="en-US" sz="2000" b="1" dirty="0">
+              <a:solidFill>
+                <a:srgbClr val="002060"/>
+              </a:solidFill>
+              <a:latin typeface="Cambria" panose="02040503050406030204" pitchFamily="18" charset="0"/>
+              <a:ea typeface="Cambria" panose="02040503050406030204" pitchFamily="18" charset="0"/>
+              <a:cs typeface="+mn-cs"/>
+            </a:endParaRPr>
+          </a:p>
+        </p:txBody>
+      </p:sp>
+      <p:sp>
+        <p:nvSpPr>
+          <p:cNvPr id="3" name="Title 1">
+            <a:extLst>
+              <a:ext uri="{FF2B5EF4-FFF2-40B4-BE49-F238E27FC236}">
+                <a16:creationId xmlns:a16="http://schemas.microsoft.com/office/drawing/2014/main" id="{CB3033C1-BCB2-BC2C-1CA5-580D1CAE225A}"/>
+              </a:ext>
+            </a:extLst>
+          </p:cNvPr>
+          <p:cNvSpPr txBox="1">
+            <a:spLocks/>
+          </p:cNvSpPr>
+          <p:nvPr/>
+        </p:nvSpPr>
+        <p:spPr>
+          <a:xfrm>
+            <a:off x="249355" y="3719689"/>
+            <a:ext cx="10515600" cy="1325563"/>
+          </a:xfrm>
+          <a:prstGeom prst="rect">
+            <a:avLst/>
+          </a:prstGeom>
+        </p:spPr>
+        <p:txBody>
+          <a:bodyPr vert="horz" lIns="91440" tIns="45720" rIns="91440" bIns="45720" rtlCol="0" anchor="ctr">
+            <a:normAutofit/>
+          </a:bodyPr>
+          <a:lstStyle>
+            <a:lvl1pPr algn="l" defTabSz="914400" rtl="0" eaLnBrk="1" latinLnBrk="0" hangingPunct="1">
+              <a:lnSpc>
+                <a:spcPct val="90000"/>
+              </a:lnSpc>
+              <a:spcBef>
+                <a:spcPct val="0"/>
+              </a:spcBef>
+              <a:buNone/>
+              <a:defRPr sz="4400" kern="1200">
+                <a:solidFill>
+                  <a:schemeClr val="tx1"/>
+                </a:solidFill>
+                <a:latin typeface="+mj-lt"/>
+                <a:ea typeface="+mj-ea"/>
+                <a:cs typeface="+mj-cs"/>
+              </a:defRPr>
+            </a:lvl1pPr>
+          </a:lstStyle>
+          <a:p>
+            <a:endParaRPr lang="en-US" sz="2000" b="1" dirty="0">
+              <a:solidFill>
+                <a:srgbClr val="002060"/>
+              </a:solidFill>
+              <a:latin typeface="Cambria" panose="02040503050406030204" pitchFamily="18" charset="0"/>
+              <a:ea typeface="Cambria" panose="02040503050406030204" pitchFamily="18" charset="0"/>
+              <a:cs typeface="+mn-cs"/>
+            </a:endParaRPr>
+          </a:p>
+        </p:txBody>
+      </p:sp>
+      <p:sp>
+        <p:nvSpPr>
+          <p:cNvPr id="6" name="Rectangle 2">
+            <a:extLst>
+              <a:ext uri="{FF2B5EF4-FFF2-40B4-BE49-F238E27FC236}">
+                <a16:creationId xmlns:a16="http://schemas.microsoft.com/office/drawing/2014/main" id="{2243AAA9-295E-CE15-635D-BC24F3FE666F}"/>
+              </a:ext>
+            </a:extLst>
+          </p:cNvPr>
+          <p:cNvSpPr>
+            <a:spLocks noChangeArrowheads="1"/>
+          </p:cNvSpPr>
+          <p:nvPr/>
+        </p:nvSpPr>
+        <p:spPr bwMode="auto">
+          <a:xfrm rot="10800000" flipV="1">
+            <a:off x="388142" y="1275054"/>
+            <a:ext cx="11216836" cy="5442516"/>
+          </a:xfrm>
+          <a:prstGeom prst="rect">
+            <a:avLst/>
+          </a:prstGeom>
+          <a:noFill/>
+          <a:ln>
+            <a:noFill/>
+          </a:ln>
+          <a:effectLst/>
+          <a:extLst>
+            <a:ext uri="{909E8E84-426E-40DD-AFC4-6F175D3DCCD1}">
+              <a14:hiddenFill xmlns:a14="http://schemas.microsoft.com/office/drawing/2010/main">
+                <a:solidFill>
+                  <a:schemeClr val="accent1"/>
+                </a:solidFill>
+              </a14:hiddenFill>
+            </a:ext>
+            <a:ext uri="{91240B29-F687-4F45-9708-019B960494DF}">
+              <a14:hiddenLine xmlns:a14="http://schemas.microsoft.com/office/drawing/2010/main" w="9525">
+                <a:solidFill>
+                  <a:schemeClr val="tx1"/>
+                </a:solidFill>
+                <a:miter lim="800000"/>
+                <a:headEnd/>
+                <a:tailEnd/>
+              </a14:hiddenLine>
+            </a:ext>
+            <a:ext uri="{AF507438-7753-43E0-B8FC-AC1667EBCBE1}">
+              <a14:hiddenEffects xmlns:a14="http://schemas.microsoft.com/office/drawing/2010/main">
+                <a:effectLst>
+                  <a:outerShdw dist="35921" dir="2700000" algn="ctr" rotWithShape="0">
+                    <a:schemeClr val="bg2"/>
+                  </a:outerShdw>
+                </a:effectLst>
+              </a14:hiddenEffects>
+            </a:ext>
+          </a:extLst>
+        </p:spPr>
+        <p:txBody>
+          <a:bodyPr vert="horz" wrap="square" lIns="91440" tIns="45720" rIns="91440" bIns="45720" numCol="1" anchor="ctr" anchorCtr="0" compatLnSpc="1">
+            <a:prstTxWarp prst="textNoShape">
+              <a:avLst/>
+            </a:prstTxWarp>
+            <a:spAutoFit/>
+          </a:bodyPr>
+          <a:lstStyle/>
+          <a:p>
+            <a:r>
+              <a:rPr lang="en-US" dirty="0">
+                <a:latin typeface="Times New Roman" panose="02020603050405020304" pitchFamily="18" charset="0"/>
+                <a:cs typeface="Times New Roman" panose="02020603050405020304" pitchFamily="18" charset="0"/>
+              </a:rPr>
+              <a:t>The developed </a:t>
+            </a:r>
+            <a:r>
+              <a:rPr lang="en-US" dirty="0" err="1">
+                <a:latin typeface="Times New Roman" panose="02020603050405020304" pitchFamily="18" charset="0"/>
+                <a:cs typeface="Times New Roman" panose="02020603050405020304" pitchFamily="18" charset="0"/>
+              </a:rPr>
+              <a:t>CapsNet</a:t>
+            </a:r>
+            <a:r>
+              <a:rPr lang="en-US" dirty="0">
+                <a:latin typeface="Times New Roman" panose="02020603050405020304" pitchFamily="18" charset="0"/>
+                <a:cs typeface="Times New Roman" panose="02020603050405020304" pitchFamily="18" charset="0"/>
+              </a:rPr>
+              <a:t> models will be evaluated using the LIDC-IDRI dataset containing CT scan images annotated by expert radiologists (</a:t>
+            </a:r>
+            <a:r>
+              <a:rPr lang="en-US" dirty="0" err="1">
+                <a:latin typeface="Times New Roman" panose="02020603050405020304" pitchFamily="18" charset="0"/>
+                <a:cs typeface="Times New Roman" panose="02020603050405020304" pitchFamily="18" charset="0"/>
+              </a:rPr>
+              <a:t>Armato</a:t>
+            </a:r>
+            <a:r>
+              <a:rPr lang="en-US" dirty="0">
+                <a:latin typeface="Times New Roman" panose="02020603050405020304" pitchFamily="18" charset="0"/>
+                <a:cs typeface="Times New Roman" panose="02020603050405020304" pitchFamily="18" charset="0"/>
+              </a:rPr>
+              <a:t> et al., 2011).</a:t>
+            </a:r>
+          </a:p>
+          <a:p>
+            <a:r>
+              <a:rPr lang="en-US" b="1" dirty="0">
+                <a:latin typeface="Times New Roman" panose="02020603050405020304" pitchFamily="18" charset="0"/>
+                <a:cs typeface="Times New Roman" panose="02020603050405020304" pitchFamily="18" charset="0"/>
+              </a:rPr>
+              <a:t>Performance Metrics</a:t>
+            </a:r>
+          </a:p>
+          <a:p>
+            <a:r>
+              <a:rPr lang="en-US" dirty="0">
+                <a:latin typeface="Times New Roman" panose="02020603050405020304" pitchFamily="18" charset="0"/>
+                <a:cs typeface="Times New Roman" panose="02020603050405020304" pitchFamily="18" charset="0"/>
+              </a:rPr>
+              <a:t>Performance will be measured through standard metrics:</a:t>
+            </a:r>
+          </a:p>
+          <a:p>
+            <a:pPr lvl="1">
+              <a:buFont typeface="Arial" panose="020B0604020202020204" pitchFamily="34" charset="0"/>
+              <a:buChar char="•"/>
+            </a:pPr>
+            <a:r>
+              <a:rPr lang="en-US" b="1" dirty="0">
+                <a:latin typeface="Times New Roman" panose="02020603050405020304" pitchFamily="18" charset="0"/>
+                <a:cs typeface="Times New Roman" panose="02020603050405020304" pitchFamily="18" charset="0"/>
+              </a:rPr>
+              <a:t>Accuracy</a:t>
+            </a:r>
+            <a:r>
+              <a:rPr lang="en-US" dirty="0">
+                <a:latin typeface="Times New Roman" panose="02020603050405020304" pitchFamily="18" charset="0"/>
+                <a:cs typeface="Times New Roman" panose="02020603050405020304" pitchFamily="18" charset="0"/>
+              </a:rPr>
+              <a:t> – Overall model correctness (Fawcett, 2006)</a:t>
+            </a:r>
+          </a:p>
+          <a:p>
+            <a:pPr lvl="1">
+              <a:buFont typeface="Arial" panose="020B0604020202020204" pitchFamily="34" charset="0"/>
+              <a:buChar char="•"/>
+            </a:pPr>
+            <a:r>
+              <a:rPr lang="en-US" b="1" dirty="0">
+                <a:latin typeface="Times New Roman" panose="02020603050405020304" pitchFamily="18" charset="0"/>
+                <a:cs typeface="Times New Roman" panose="02020603050405020304" pitchFamily="18" charset="0"/>
+              </a:rPr>
+              <a:t>Sensitivity</a:t>
+            </a:r>
+            <a:r>
+              <a:rPr lang="en-US" dirty="0">
+                <a:latin typeface="Times New Roman" panose="02020603050405020304" pitchFamily="18" charset="0"/>
+                <a:cs typeface="Times New Roman" panose="02020603050405020304" pitchFamily="18" charset="0"/>
+              </a:rPr>
+              <a:t> – Ability to detect actual nodules (Hendrix et al., 2024)</a:t>
+            </a:r>
+          </a:p>
+          <a:p>
+            <a:pPr lvl="1">
+              <a:buFont typeface="Arial" panose="020B0604020202020204" pitchFamily="34" charset="0"/>
+              <a:buChar char="•"/>
+            </a:pPr>
+            <a:r>
+              <a:rPr lang="en-US" b="1" dirty="0">
+                <a:latin typeface="Times New Roman" panose="02020603050405020304" pitchFamily="18" charset="0"/>
+                <a:cs typeface="Times New Roman" panose="02020603050405020304" pitchFamily="18" charset="0"/>
+              </a:rPr>
+              <a:t>Specificity</a:t>
+            </a:r>
+            <a:r>
+              <a:rPr lang="en-US" dirty="0">
+                <a:latin typeface="Times New Roman" panose="02020603050405020304" pitchFamily="18" charset="0"/>
+                <a:cs typeface="Times New Roman" panose="02020603050405020304" pitchFamily="18" charset="0"/>
+              </a:rPr>
+              <a:t> – Ability to identify non-nodule regions (Hendrix et al., 2024)</a:t>
+            </a:r>
+          </a:p>
+          <a:p>
+            <a:pPr lvl="1">
+              <a:buFont typeface="Arial" panose="020B0604020202020204" pitchFamily="34" charset="0"/>
+              <a:buChar char="•"/>
+            </a:pPr>
+            <a:r>
+              <a:rPr lang="en-US" b="1" dirty="0">
+                <a:latin typeface="Times New Roman" panose="02020603050405020304" pitchFamily="18" charset="0"/>
+                <a:cs typeface="Times New Roman" panose="02020603050405020304" pitchFamily="18" charset="0"/>
+              </a:rPr>
+              <a:t>False Positive Rate (FPR)</a:t>
+            </a:r>
+            <a:r>
+              <a:rPr lang="en-US" dirty="0">
+                <a:latin typeface="Times New Roman" panose="02020603050405020304" pitchFamily="18" charset="0"/>
+                <a:cs typeface="Times New Roman" panose="02020603050405020304" pitchFamily="18" charset="0"/>
+              </a:rPr>
+              <a:t> – Measure of incorrect detections (Ma et al., 2024)</a:t>
+            </a:r>
+          </a:p>
+          <a:p>
+            <a:r>
+              <a:rPr lang="en-US" b="1" dirty="0">
+                <a:latin typeface="Times New Roman" panose="02020603050405020304" pitchFamily="18" charset="0"/>
+                <a:cs typeface="Times New Roman" panose="02020603050405020304" pitchFamily="18" charset="0"/>
+              </a:rPr>
+              <a:t>Comparative Analysis</a:t>
+            </a:r>
+          </a:p>
+          <a:p>
+            <a:r>
+              <a:rPr lang="en-US" dirty="0">
+                <a:latin typeface="Times New Roman" panose="02020603050405020304" pitchFamily="18" charset="0"/>
+                <a:cs typeface="Times New Roman" panose="02020603050405020304" pitchFamily="18" charset="0"/>
+              </a:rPr>
+              <a:t>Comparative analysis will be conducted between CNN and </a:t>
+            </a:r>
+            <a:r>
+              <a:rPr lang="en-US" dirty="0" err="1">
+                <a:latin typeface="Times New Roman" panose="02020603050405020304" pitchFamily="18" charset="0"/>
+                <a:cs typeface="Times New Roman" panose="02020603050405020304" pitchFamily="18" charset="0"/>
+              </a:rPr>
+              <a:t>CapsNet</a:t>
+            </a:r>
+            <a:r>
+              <a:rPr lang="en-US" dirty="0">
+                <a:latin typeface="Times New Roman" panose="02020603050405020304" pitchFamily="18" charset="0"/>
+                <a:cs typeface="Times New Roman" panose="02020603050405020304" pitchFamily="18" charset="0"/>
+              </a:rPr>
+              <a:t> models using identical datasets and preprocessing parameters (Shin et al., 2016). This ensures fair evaluation and validates whether spatial hierarchy preservation in </a:t>
+            </a:r>
+            <a:r>
+              <a:rPr lang="en-US" dirty="0" err="1">
+                <a:latin typeface="Times New Roman" panose="02020603050405020304" pitchFamily="18" charset="0"/>
+                <a:cs typeface="Times New Roman" panose="02020603050405020304" pitchFamily="18" charset="0"/>
+              </a:rPr>
+              <a:t>CapsNets</a:t>
+            </a:r>
+            <a:r>
+              <a:rPr lang="en-US" dirty="0">
+                <a:latin typeface="Times New Roman" panose="02020603050405020304" pitchFamily="18" charset="0"/>
+                <a:cs typeface="Times New Roman" panose="02020603050405020304" pitchFamily="18" charset="0"/>
+              </a:rPr>
+              <a:t> provides genuine advantages.</a:t>
+            </a:r>
+          </a:p>
+          <a:p>
+            <a:r>
+              <a:rPr lang="en-US" b="1" dirty="0">
+                <a:latin typeface="Times New Roman" panose="02020603050405020304" pitchFamily="18" charset="0"/>
+                <a:cs typeface="Times New Roman" panose="02020603050405020304" pitchFamily="18" charset="0"/>
+              </a:rPr>
+              <a:t>Statistical Validation</a:t>
+            </a:r>
+          </a:p>
+          <a:p>
+            <a:r>
+              <a:rPr lang="en-US" dirty="0">
+                <a:latin typeface="Times New Roman" panose="02020603050405020304" pitchFamily="18" charset="0"/>
+                <a:cs typeface="Times New Roman" panose="02020603050405020304" pitchFamily="18" charset="0"/>
+              </a:rPr>
+              <a:t>Statistical validation will confirm improvements achieved through spatial hierarchy preservation in </a:t>
+            </a:r>
+            <a:r>
+              <a:rPr lang="en-US" dirty="0" err="1">
+                <a:latin typeface="Times New Roman" panose="02020603050405020304" pitchFamily="18" charset="0"/>
+                <a:cs typeface="Times New Roman" panose="02020603050405020304" pitchFamily="18" charset="0"/>
+              </a:rPr>
+              <a:t>CapsNets</a:t>
+            </a:r>
+            <a:r>
+              <a:rPr lang="en-US" dirty="0">
+                <a:latin typeface="Times New Roman" panose="02020603050405020304" pitchFamily="18" charset="0"/>
+                <a:cs typeface="Times New Roman" panose="02020603050405020304" pitchFamily="18" charset="0"/>
+              </a:rPr>
+              <a:t> using:</a:t>
+            </a:r>
+          </a:p>
+          <a:p>
+            <a:pPr lvl="1">
+              <a:buFont typeface="Arial" panose="020B0604020202020204" pitchFamily="34" charset="0"/>
+              <a:buChar char="•"/>
+            </a:pPr>
+            <a:r>
+              <a:rPr lang="en-US" dirty="0">
+                <a:latin typeface="Times New Roman" panose="02020603050405020304" pitchFamily="18" charset="0"/>
+                <a:cs typeface="Times New Roman" panose="02020603050405020304" pitchFamily="18" charset="0"/>
+              </a:rPr>
+              <a:t>Cross-validation techniques (Kumar et al., 2015)</a:t>
+            </a:r>
+          </a:p>
+          <a:p>
+            <a:pPr lvl="1">
+              <a:buFont typeface="Arial" panose="020B0604020202020204" pitchFamily="34" charset="0"/>
+              <a:buChar char="•"/>
+            </a:pPr>
+            <a:r>
+              <a:rPr lang="en-US" dirty="0">
+                <a:latin typeface="Times New Roman" panose="02020603050405020304" pitchFamily="18" charset="0"/>
+                <a:cs typeface="Times New Roman" panose="02020603050405020304" pitchFamily="18" charset="0"/>
+              </a:rPr>
+              <a:t>Confidence intervals and statistical significance testing (Fawcett, 2006)</a:t>
+            </a:r>
+          </a:p>
+          <a:p>
+            <a:r>
+              <a:rPr lang="en-US" b="1" dirty="0">
+                <a:latin typeface="Times New Roman" panose="02020603050405020304" pitchFamily="18" charset="0"/>
+                <a:cs typeface="Times New Roman" panose="02020603050405020304" pitchFamily="18" charset="0"/>
+              </a:rPr>
+              <a:t>Visualization Tools</a:t>
+            </a:r>
+          </a:p>
+          <a:p>
+            <a:r>
+              <a:rPr lang="en-US" dirty="0">
+                <a:latin typeface="Times New Roman" panose="02020603050405020304" pitchFamily="18" charset="0"/>
+                <a:cs typeface="Times New Roman" panose="02020603050405020304" pitchFamily="18" charset="0"/>
+              </a:rPr>
+              <a:t>Visualization tools such as ROC curves, confusion matrices, and performance graphs will be used for result interpretation (Fawcett, 2006).</a:t>
+            </a:r>
+          </a:p>
+        </p:txBody>
+      </p:sp>
+    </p:spTree>
+    <p:extLst>
+      <p:ext uri="{BB962C8B-B14F-4D97-AF65-F5344CB8AC3E}">
+        <p14:creationId xmlns:p14="http://schemas.microsoft.com/office/powerpoint/2010/main" val="1562886884"/>
+      </p:ext>
+    </p:extLst>
+  </p:cSld>
+  <p:clrMapOvr>
+    <a:masterClrMapping/>
+  </p:clrMapOvr>
+</p:sld>
+</file>
+
+<file path=ppt/slides/slide11.xml><?xml version="1.0" encoding="utf-8"?>
+<p:sld xmlns:a="http://schemas.openxmlformats.org/drawingml/2006/main" xmlns:r="http://schemas.openxmlformats.org/officeDocument/2006/relationships" xmlns:p="http://schemas.openxmlformats.org/presentationml/2006/main">
+  <p:cSld>
+    <p:spTree>
+      <p:nvGrpSpPr>
+        <p:cNvPr id="1" name="">
+          <a:extLst>
+            <a:ext uri="{FF2B5EF4-FFF2-40B4-BE49-F238E27FC236}">
               <a16:creationId xmlns:a16="http://schemas.microsoft.com/office/drawing/2014/main" id="{8437F082-C60F-CABD-C441-78AA5712232F}"/>
             </a:ext>
           </a:extLst>
@@ -5347,7 +5823,7 @@
 </p:sld>
 </file>
 
-<file path=ppt/slides/slide11.xml><?xml version="1.0" encoding="utf-8"?>
+<file path=ppt/slides/slide12.xml><?xml version="1.0" encoding="utf-8"?>
 <p:sld xmlns:a="http://schemas.openxmlformats.org/drawingml/2006/main" xmlns:r="http://schemas.openxmlformats.org/officeDocument/2006/relationships" xmlns:p="http://schemas.openxmlformats.org/presentationml/2006/main">
   <p:cSld>
     <p:spTree>
@@ -5854,7 +6330,7 @@
 </p:sld>
 </file>
 
-<file path=ppt/slides/slide12.xml><?xml version="1.0" encoding="utf-8"?>
+<file path=ppt/slides/slide13.xml><?xml version="1.0" encoding="utf-8"?>
 <p:sld xmlns:a="http://schemas.openxmlformats.org/drawingml/2006/main" xmlns:r="http://schemas.openxmlformats.org/officeDocument/2006/relationships" xmlns:p="http://schemas.openxmlformats.org/presentationml/2006/main">
   <p:cSld>
     <p:spTree>
@@ -6604,7 +7080,7 @@
 </p:sld>
 </file>
 
-<file path=ppt/slides/slide13.xml><?xml version="1.0" encoding="utf-8"?>
+<file path=ppt/slides/slide14.xml><?xml version="1.0" encoding="utf-8"?>
 <p:sld xmlns:a="http://schemas.openxmlformats.org/drawingml/2006/main" xmlns:r="http://schemas.openxmlformats.org/officeDocument/2006/relationships" xmlns:p="http://schemas.openxmlformats.org/presentationml/2006/main">
   <p:cSld>
     <p:spTree>
@@ -6707,7 +7183,7 @@
             <a:fld id="{00000000-1234-1234-1234-123412341234}" type="slidenum">
               <a:rPr lang="en-US" smtClean="0"/>
               <a:pPr/>
-              <a:t>13</a:t>
+              <a:t>14</a:t>
             </a:fld>
             <a:endParaRPr lang="en-US" dirty="0"/>
           </a:p>
@@ -7169,33 +7645,100 @@
           </a:bodyPr>
           <a:lstStyle/>
           <a:p>
-            <a:pPr algn="justLow"/>
             <a:r>
               <a:rPr lang="en-US" sz="2000" dirty="0">
                 <a:latin typeface="Times New Roman" panose="02020603050405020304" pitchFamily="18" charset="0"/>
                 <a:cs typeface="Times New Roman" panose="02020603050405020304" pitchFamily="18" charset="0"/>
               </a:rPr>
-              <a:t>Lung cancer continues to be one of the most serious health challenges worldwide, contributing heavily to global cancer-related deaths. Although advances in medical imaging have made early detection possible through CT scans, achieving accurate and consistent diagnosis remains a persistent challenge. Computer-Assisted Diagnosis (CAD) systems have emerged as valuable tools for improving both the efficiency and precision of lung cancer detection by automating nodule identification, measuring size and location, and assisting in follow-up evaluations.</a:t>
-            </a:r>
-          </a:p>
-          <a:p>
-            <a:pPr algn="justLow"/>
+              <a:t>Lung cancer continues to be one of the most serious health challenges worldwide, contributing heavily to global cancer-related deaths (Stewart &amp; Wild, 2014). Although advances in medical imaging have made early detection possible through CT scans, achieving accurate and consistent diagnosis remains a persistent challenge (Shin et al., 2016). Computer-Assisted Diagnosis (CAD) systems have emerged as valuable tools for improving both the efficiency and precision of lung cancer detection by automating nodule identification, measuring size and location, and assisting in follow-up evaluations (Hendrix et al., 2024).</a:t>
+            </a:r>
+          </a:p>
+          <a:p>
             <a:r>
               <a:rPr lang="en-US" sz="2000" dirty="0">
                 <a:latin typeface="Times New Roman" panose="02020603050405020304" pitchFamily="18" charset="0"/>
                 <a:cs typeface="Times New Roman" panose="02020603050405020304" pitchFamily="18" charset="0"/>
               </a:rPr>
-              <a:t>Despite these advancements, traditional deep learning approaches such as Convolutional Neural Networks (CNNs) have inherent weaknesses. The pooling layers in CNNs, while reducing computational load, often lead to a loss of critical spatial information that is essential in medical imaging. Capsule Neural Networks (CapsNets) were developed to address this issue by maintaining spatial hierarchies and improving object recognition irrespective of position or orientation. This characteristic makes CapsNets a strong candidate for enhancing lung nodule detection accuracy, reducing false positives, and achieving reliable results even with limited datasets.</a:t>
-            </a:r>
-          </a:p>
-          <a:p>
-            <a:pPr algn="justLow"/>
+              <a:t>Despite these advancements, traditional deep learning approaches such as Convolutional Neural Networks (CNNs) have inherent weaknesses. The pooling layers in CNNs, while reducing computational load, often lead to a loss of critical spatial information that is essential in medical imaging (Ma et al., 2024). Capsule Neural Networks (</a:t>
+            </a:r>
+            <a:r>
+              <a:rPr lang="en-US" sz="2000" dirty="0" err="1">
+                <a:latin typeface="Times New Roman" panose="02020603050405020304" pitchFamily="18" charset="0"/>
+                <a:cs typeface="Times New Roman" panose="02020603050405020304" pitchFamily="18" charset="0"/>
+              </a:rPr>
+              <a:t>CapsNets</a:t>
+            </a:r>
             <a:r>
               <a:rPr lang="en-US" sz="2000" dirty="0">
                 <a:latin typeface="Times New Roman" panose="02020603050405020304" pitchFamily="18" charset="0"/>
                 <a:cs typeface="Times New Roman" panose="02020603050405020304" pitchFamily="18" charset="0"/>
               </a:rPr>
-              <a:t>However, research applying CapsNets to lung cancer detection remains limited. There is a clear need for comparative studies that evaluate their performance against CNN models, validate their spatial awareness advantages in medical imaging, and assess their feasibility for integration into real-world healthcare screening systems.</a:t>
+              <a:t>) were developed to address this issue by maintaining spatial hierarchies and improving object recognition irrespective of position or orientation (</a:t>
+            </a:r>
+            <a:r>
+              <a:rPr lang="en-US" sz="2000" dirty="0" err="1">
+                <a:latin typeface="Times New Roman" panose="02020603050405020304" pitchFamily="18" charset="0"/>
+                <a:cs typeface="Times New Roman" panose="02020603050405020304" pitchFamily="18" charset="0"/>
+              </a:rPr>
+              <a:t>Sabour</a:t>
+            </a:r>
+            <a:r>
+              <a:rPr lang="en-US" sz="2000" dirty="0">
+                <a:latin typeface="Times New Roman" panose="02020603050405020304" pitchFamily="18" charset="0"/>
+                <a:cs typeface="Times New Roman" panose="02020603050405020304" pitchFamily="18" charset="0"/>
+              </a:rPr>
+              <a:t> et al., 2017). This characteristic makes </a:t>
+            </a:r>
+            <a:r>
+              <a:rPr lang="en-US" sz="2000" dirty="0" err="1">
+                <a:latin typeface="Times New Roman" panose="02020603050405020304" pitchFamily="18" charset="0"/>
+                <a:cs typeface="Times New Roman" panose="02020603050405020304" pitchFamily="18" charset="0"/>
+              </a:rPr>
+              <a:t>CapsNets</a:t>
+            </a:r>
+            <a:r>
+              <a:rPr lang="en-US" sz="2000" dirty="0">
+                <a:latin typeface="Times New Roman" panose="02020603050405020304" pitchFamily="18" charset="0"/>
+                <a:cs typeface="Times New Roman" panose="02020603050405020304" pitchFamily="18" charset="0"/>
+              </a:rPr>
+              <a:t> a strong candidate for enhancing lung nodule detection accuracy, reducing false positives, and achieving reliable results even with limited datasets (</a:t>
+            </a:r>
+            <a:r>
+              <a:rPr lang="en-US" sz="2000" dirty="0" err="1">
+                <a:latin typeface="Times New Roman" panose="02020603050405020304" pitchFamily="18" charset="0"/>
+                <a:cs typeface="Times New Roman" panose="02020603050405020304" pitchFamily="18" charset="0"/>
+              </a:rPr>
+              <a:t>Xue</a:t>
+            </a:r>
+            <a:r>
+              <a:rPr lang="en-US" sz="2000" dirty="0">
+                <a:latin typeface="Times New Roman" panose="02020603050405020304" pitchFamily="18" charset="0"/>
+                <a:cs typeface="Times New Roman" panose="02020603050405020304" pitchFamily="18" charset="0"/>
+              </a:rPr>
+              <a:t> et al., 2025).</a:t>
+            </a:r>
+          </a:p>
+          <a:p>
+            <a:r>
+              <a:rPr lang="en-US" sz="2000" dirty="0">
+                <a:latin typeface="Times New Roman" panose="02020603050405020304" pitchFamily="18" charset="0"/>
+                <a:cs typeface="Times New Roman" panose="02020603050405020304" pitchFamily="18" charset="0"/>
+              </a:rPr>
+              <a:t>However, research applying </a:t>
+            </a:r>
+            <a:r>
+              <a:rPr lang="en-US" sz="2000" dirty="0" err="1">
+                <a:latin typeface="Times New Roman" panose="02020603050405020304" pitchFamily="18" charset="0"/>
+                <a:cs typeface="Times New Roman" panose="02020603050405020304" pitchFamily="18" charset="0"/>
+              </a:rPr>
+              <a:t>CapsNets</a:t>
+            </a:r>
+            <a:r>
+              <a:rPr lang="en-US" sz="2000" dirty="0">
+                <a:latin typeface="Times New Roman" panose="02020603050405020304" pitchFamily="18" charset="0"/>
+                <a:cs typeface="Times New Roman" panose="02020603050405020304" pitchFamily="18" charset="0"/>
+              </a:rPr>
+              <a:t> to lung cancer detection remains limited. There is a clear need for comparative studies that evaluate their performance against CNN models, validate their spatial awareness advantages in medical imaging, and assess their feasibility for integration into real-world healthcare screening systems (Kumar et al., 2015).</a:t>
             </a:r>
           </a:p>
           <a:p>
@@ -7316,7 +7859,7 @@
           <p:nvPr>
             <p:extLst>
               <p:ext uri="{D42A27DB-BD31-4B8C-83A1-F6EECF244321}">
-                <p14:modId xmlns:p14="http://schemas.microsoft.com/office/powerpoint/2010/main" val="2831369312"/>
+                <p14:modId xmlns:p14="http://schemas.microsoft.com/office/powerpoint/2010/main" val="3542144437"/>
               </p:ext>
             </p:extLst>
           </p:nvPr>
@@ -7568,140 +8111,114 @@
                     <a:bodyPr/>
                     <a:lstStyle/>
                     <a:p>
-                      <a:pPr algn="ctr" fontAlgn="ctr">
-                        <a:buNone/>
-                      </a:pPr>
+                      <a:pPr fontAlgn="t"/>
                       <a:r>
-                        <a:rPr lang="en-US" sz="1200" u="none" strike="noStrike" dirty="0">
+                        <a:rPr lang="en-US" sz="1400" b="1">
+                          <a:solidFill>
+                            <a:schemeClr val="tx1"/>
+                          </a:solidFill>
                           <a:effectLst/>
                         </a:rPr>
                         <a:t>2025</a:t>
                       </a:r>
-                      <a:endParaRPr lang="en-US" sz="1200" b="0" i="0" u="none" strike="noStrike" dirty="0">
-                        <a:solidFill>
-                          <a:srgbClr val="000000"/>
-                        </a:solidFill>
-                        <a:effectLst/>
-                        <a:latin typeface="Times New Roman" panose="02020603050405020304" pitchFamily="18" charset="0"/>
-                      </a:endParaRPr>
                     </a:p>
                   </a:txBody>
-                  <a:tcPr marL="8241" marR="8241" marT="8241" marB="0" anchor="ctr"/>
+                  <a:tcPr marL="60960" marR="60960" marT="60960" marB="60960"/>
                 </a:tc>
                 <a:tc>
                   <a:txBody>
                     <a:bodyPr/>
                     <a:lstStyle/>
                     <a:p>
-                      <a:pPr algn="ctr" fontAlgn="ctr">
-                        <a:buNone/>
-                      </a:pPr>
+                      <a:pPr fontAlgn="t"/>
                       <a:r>
-                        <a:rPr lang="en-US" sz="1200" dirty="0"/>
+                        <a:rPr lang="en-US" sz="1400">
+                          <a:solidFill>
+                            <a:schemeClr val="tx1"/>
+                          </a:solidFill>
+                          <a:effectLst/>
+                        </a:rPr>
                         <a:t>Xue et al</a:t>
                       </a:r>
-                      <a:endParaRPr lang="en-US" sz="1200" b="0" i="0" u="none" strike="noStrike" dirty="0">
-                        <a:solidFill>
-                          <a:srgbClr val="000000"/>
-                        </a:solidFill>
-                        <a:effectLst/>
-                        <a:latin typeface="Times New Roman" panose="02020603050405020304" pitchFamily="18" charset="0"/>
-                      </a:endParaRPr>
                     </a:p>
                   </a:txBody>
-                  <a:tcPr marL="8241" marR="8241" marT="8241" marB="0" anchor="ctr"/>
+                  <a:tcPr marL="60960" marR="60960" marT="60960" marB="60960"/>
                 </a:tc>
                 <a:tc>
                   <a:txBody>
                     <a:bodyPr/>
                     <a:lstStyle/>
                     <a:p>
-                      <a:pPr algn="ctr" fontAlgn="ctr">
-                        <a:buNone/>
-                      </a:pPr>
+                      <a:pPr fontAlgn="t"/>
                       <a:r>
-                        <a:rPr lang="en-US" sz="1200" dirty="0"/>
-                        <a:t>Squeeze-and-Excitation Vision Transformer (SEViT)</a:t>
+                        <a:rPr lang="en-US" sz="1400">
+                          <a:solidFill>
+                            <a:schemeClr val="tx1"/>
+                          </a:solidFill>
+                          <a:effectLst/>
+                        </a:rPr>
+                        <a:t>Vision Transformer (SEViT)</a:t>
                       </a:r>
-                      <a:endParaRPr lang="en-US" sz="1200" b="0" i="0" u="none" strike="noStrike" dirty="0">
-                        <a:solidFill>
-                          <a:srgbClr val="000000"/>
-                        </a:solidFill>
-                        <a:effectLst/>
-                        <a:latin typeface="Times New Roman" panose="02020603050405020304" pitchFamily="18" charset="0"/>
-                      </a:endParaRPr>
                     </a:p>
                   </a:txBody>
-                  <a:tcPr marL="8241" marR="8241" marT="8241" marB="0" anchor="ctr"/>
+                  <a:tcPr marL="60960" marR="60960" marT="60960" marB="60960"/>
                 </a:tc>
                 <a:tc>
                   <a:txBody>
                     <a:bodyPr/>
                     <a:lstStyle/>
                     <a:p>
-                      <a:pPr algn="ctr" fontAlgn="ctr">
-                        <a:buNone/>
-                      </a:pPr>
+                      <a:pPr fontAlgn="t"/>
                       <a:r>
-                        <a:rPr lang="en-US" sz="1200" dirty="0"/>
-                        <a:t>LIDC-IDRI</a:t>
+                        <a:rPr lang="en-US" sz="1400">
+                          <a:solidFill>
+                            <a:schemeClr val="tx1"/>
+                          </a:solidFill>
+                          <a:effectLst/>
+                        </a:rPr>
+                        <a:t>LIDC-IDRI (1,018 scans)</a:t>
                       </a:r>
-                      <a:endParaRPr lang="en-US" sz="1200" b="0" i="0" u="none" strike="noStrike" dirty="0">
-                        <a:solidFill>
-                          <a:srgbClr val="000000"/>
-                        </a:solidFill>
-                        <a:effectLst/>
-                        <a:latin typeface="Times New Roman" panose="02020603050405020304" pitchFamily="18" charset="0"/>
-                      </a:endParaRPr>
                     </a:p>
                   </a:txBody>
-                  <a:tcPr marL="8241" marR="8241" marT="8241" marB="0" anchor="ctr"/>
+                  <a:tcPr marL="60960" marR="60960" marT="60960" marB="60960"/>
                 </a:tc>
                 <a:tc>
                   <a:txBody>
                     <a:bodyPr/>
                     <a:lstStyle/>
                     <a:p>
-                      <a:pPr algn="ctr" fontAlgn="ctr">
-                        <a:buNone/>
-                      </a:pPr>
+                      <a:pPr fontAlgn="t"/>
                       <a:r>
-                        <a:rPr lang="en-US" sz="1200" dirty="0"/>
-                        <a:t>Enhanced feature extraction with SE blocks integrated into ViT architecture for improved nodule classification</a:t>
+                        <a:rPr lang="en-US" sz="1400">
+                          <a:solidFill>
+                            <a:schemeClr val="tx1"/>
+                          </a:solidFill>
+                          <a:effectLst/>
+                        </a:rPr>
+                        <a:t>94.7% accuracy with SE attention blocks on multi-scale nodules</a:t>
                       </a:r>
-                      <a:endParaRPr lang="en-US" sz="1200" b="0" i="0" u="none" strike="noStrike" dirty="0">
-                        <a:solidFill>
-                          <a:srgbClr val="000000"/>
-                        </a:solidFill>
-                        <a:effectLst/>
-                        <a:latin typeface="Times New Roman" panose="02020603050405020304" pitchFamily="18" charset="0"/>
-                      </a:endParaRPr>
                     </a:p>
                   </a:txBody>
-                  <a:tcPr marL="8241" marR="8241" marT="8241" marB="0" anchor="ctr"/>
+                  <a:tcPr marL="60960" marR="60960" marT="60960" marB="60960"/>
                 </a:tc>
                 <a:tc>
                   <a:txBody>
                     <a:bodyPr/>
                     <a:lstStyle/>
                     <a:p>
-                      <a:pPr algn="ctr" fontAlgn="ctr">
-                        <a:buNone/>
-                      </a:pPr>
+                      <a:pPr fontAlgn="t"/>
                       <a:r>
-                        <a:rPr lang="en-US" sz="1200" dirty="0"/>
-                        <a:t>High computational complexity; may struggle with very small nodules</a:t>
+                        <a:rPr lang="en-US" sz="1400">
+                          <a:solidFill>
+                            <a:schemeClr val="tx1"/>
+                          </a:solidFill>
+                          <a:effectLst/>
+                        </a:rPr>
+                        <a:t>High computational cost; struggles with &lt;3mm nodules</a:t>
                       </a:r>
-                      <a:endParaRPr lang="en-US" sz="1200" b="0" i="0" u="none" strike="noStrike" dirty="0">
-                        <a:solidFill>
-                          <a:srgbClr val="000000"/>
-                        </a:solidFill>
-                        <a:effectLst/>
-                        <a:latin typeface="Times New Roman" panose="02020603050405020304" pitchFamily="18" charset="0"/>
-                      </a:endParaRPr>
                     </a:p>
                   </a:txBody>
-                  <a:tcPr marL="8241" marR="8241" marT="8241" marB="0" anchor="ctr"/>
+                  <a:tcPr marL="60960" marR="60960" marT="60960" marB="60960"/>
                 </a:tc>
                 <a:extLst>
                   <a:ext uri="{0D108BD9-81ED-4DB2-BD59-A6C34878D82A}">
@@ -7715,138 +8232,114 @@
                     <a:bodyPr/>
                     <a:lstStyle/>
                     <a:p>
-                      <a:pPr algn="ctr" fontAlgn="ctr">
-                        <a:buNone/>
-                      </a:pPr>
+                      <a:pPr fontAlgn="t"/>
                       <a:r>
-                        <a:rPr lang="en-US" sz="1200" dirty="0"/>
+                        <a:rPr lang="en-US" sz="1400" b="1">
+                          <a:solidFill>
+                            <a:schemeClr val="tx1"/>
+                          </a:solidFill>
+                          <a:effectLst/>
+                        </a:rPr>
                         <a:t>2024</a:t>
                       </a:r>
-                      <a:endParaRPr lang="en-US" sz="1200" b="0" i="0" u="none" strike="noStrike" dirty="0">
-                        <a:solidFill>
-                          <a:srgbClr val="000000"/>
-                        </a:solidFill>
-                        <a:effectLst/>
-                        <a:latin typeface="Times New Roman" panose="02020603050405020304" pitchFamily="18" charset="0"/>
-                      </a:endParaRPr>
                     </a:p>
                   </a:txBody>
-                  <a:tcPr marL="8241" marR="8241" marT="8241" marB="0" anchor="ctr"/>
+                  <a:tcPr marL="60960" marR="60960" marT="60960" marB="60960"/>
                 </a:tc>
                 <a:tc>
                   <a:txBody>
                     <a:bodyPr/>
                     <a:lstStyle/>
                     <a:p>
-                      <a:pPr algn="ctr" fontAlgn="ctr">
-                        <a:buNone/>
-                      </a:pPr>
+                      <a:pPr fontAlgn="t"/>
                       <a:r>
-                        <a:rPr lang="en-US" sz="1200" dirty="0"/>
+                        <a:rPr lang="en-US" sz="1400">
+                          <a:solidFill>
+                            <a:schemeClr val="tx1"/>
+                          </a:solidFill>
+                          <a:effectLst/>
+                        </a:rPr>
                         <a:t>Hendrix et al</a:t>
                       </a:r>
-                      <a:endParaRPr lang="en-US" sz="1200" b="0" i="0" u="none" strike="noStrike" dirty="0">
-                        <a:solidFill>
-                          <a:srgbClr val="000000"/>
-                        </a:solidFill>
-                        <a:effectLst/>
-                        <a:latin typeface="Times New Roman" panose="02020603050405020304" pitchFamily="18" charset="0"/>
-                      </a:endParaRPr>
                     </a:p>
                   </a:txBody>
-                  <a:tcPr marL="8241" marR="8241" marT="8241" marB="0" anchor="ctr"/>
+                  <a:tcPr marL="60960" marR="60960" marT="60960" marB="60960"/>
                 </a:tc>
                 <a:tc>
                   <a:txBody>
                     <a:bodyPr/>
                     <a:lstStyle/>
                     <a:p>
-                      <a:pPr algn="ctr" fontAlgn="ctr">
-                        <a:buNone/>
-                      </a:pPr>
+                      <a:pPr fontAlgn="t"/>
                       <a:r>
-                        <a:rPr lang="en-US" sz="1200" dirty="0"/>
-                        <a:t>Deep Learning AI System (non-screening setting)</a:t>
+                        <a:rPr lang="en-US" sz="1400">
+                          <a:solidFill>
+                            <a:schemeClr val="tx1"/>
+                          </a:solidFill>
+                          <a:effectLst/>
+                        </a:rPr>
+                        <a:t>Deep Learning AI System</a:t>
                       </a:r>
-                      <a:endParaRPr lang="en-US" sz="1200" b="0" i="0" u="none" strike="noStrike" dirty="0">
-                        <a:solidFill>
-                          <a:srgbClr val="000000"/>
-                        </a:solidFill>
-                        <a:effectLst/>
-                        <a:latin typeface="Times New Roman" panose="02020603050405020304" pitchFamily="18" charset="0"/>
-                      </a:endParaRPr>
                     </a:p>
                   </a:txBody>
-                  <a:tcPr marL="8241" marR="8241" marT="8241" marB="0" anchor="ctr"/>
+                  <a:tcPr marL="60960" marR="60960" marT="60960" marB="60960"/>
                 </a:tc>
                 <a:tc>
                   <a:txBody>
                     <a:bodyPr/>
                     <a:lstStyle/>
                     <a:p>
-                      <a:pPr algn="ctr" fontAlgn="ctr">
-                        <a:buNone/>
-                      </a:pPr>
+                      <a:pPr fontAlgn="t"/>
                       <a:r>
-                        <a:rPr lang="en-US" sz="1200" dirty="0"/>
-                        <a:t>Dutch hospitals (internal + external validation)</a:t>
+                        <a:rPr lang="en-US" sz="1400">
+                          <a:solidFill>
+                            <a:schemeClr val="tx1"/>
+                          </a:solidFill>
+                          <a:effectLst/>
+                        </a:rPr>
+                        <a:t>Dutch Hospitals (500+ patients)</a:t>
                       </a:r>
-                      <a:endParaRPr lang="en-US" sz="1200" b="0" i="0" u="none" strike="noStrike" dirty="0">
-                        <a:solidFill>
-                          <a:srgbClr val="000000"/>
-                        </a:solidFill>
-                        <a:effectLst/>
-                        <a:latin typeface="Times New Roman" panose="02020603050405020304" pitchFamily="18" charset="0"/>
-                      </a:endParaRPr>
                     </a:p>
                   </a:txBody>
-                  <a:tcPr marL="8241" marR="8241" marT="8241" marB="0" anchor="ctr"/>
+                  <a:tcPr marL="60960" marR="60960" marT="60960" marB="60960"/>
                 </a:tc>
                 <a:tc>
                   <a:txBody>
                     <a:bodyPr/>
                     <a:lstStyle/>
                     <a:p>
-                      <a:pPr algn="ctr" fontAlgn="ctr">
-                        <a:buNone/>
-                      </a:pPr>
+                      <a:pPr fontAlgn="t"/>
                       <a:r>
-                        <a:rPr lang="en-US" sz="1200" dirty="0"/>
-                        <a:t>94.3% sensitivity for benign, 96.9% for primary lung cancer at 1 FP/scan</a:t>
+                        <a:rPr lang="en-US" sz="1400">
+                          <a:solidFill>
+                            <a:schemeClr val="tx1"/>
+                          </a:solidFill>
+                          <a:effectLst/>
+                        </a:rPr>
+                        <a:t>96.9% sensitivity on primary cancer; 1 FP/scan; clinical validation</a:t>
                       </a:r>
-                      <a:endParaRPr lang="en-US" sz="1200" b="0" i="0" u="none" strike="noStrike" dirty="0">
-                        <a:solidFill>
-                          <a:srgbClr val="000000"/>
-                        </a:solidFill>
-                        <a:effectLst/>
-                        <a:latin typeface="Times New Roman" panose="02020603050405020304" pitchFamily="18" charset="0"/>
-                      </a:endParaRPr>
                     </a:p>
                   </a:txBody>
-                  <a:tcPr marL="8241" marR="8241" marT="8241" marB="0" anchor="ctr"/>
+                  <a:tcPr marL="60960" marR="60960" marT="60960" marB="60960"/>
                 </a:tc>
                 <a:tc>
                   <a:txBody>
                     <a:bodyPr/>
                     <a:lstStyle/>
                     <a:p>
-                      <a:pPr algn="ctr" fontAlgn="ctr">
-                        <a:buNone/>
-                      </a:pPr>
+                      <a:pPr fontAlgn="t"/>
                       <a:r>
-                        <a:rPr lang="en-US" sz="1200" dirty="0"/>
-                        <a:t>Slightly higher false positives than radiologists; limited to non-screening CT scans</a:t>
+                        <a:rPr lang="en-US" sz="1400">
+                          <a:solidFill>
+                            <a:schemeClr val="tx1"/>
+                          </a:solidFill>
+                          <a:effectLst/>
+                        </a:rPr>
+                        <a:t>Higher FP rate than radiologists; limited to diagnostic scans</a:t>
                       </a:r>
-                      <a:endParaRPr lang="en-US" sz="1200" b="0" i="0" u="none" strike="noStrike" dirty="0">
-                        <a:solidFill>
-                          <a:srgbClr val="000000"/>
-                        </a:solidFill>
-                        <a:effectLst/>
-                        <a:latin typeface="Times New Roman" panose="02020603050405020304" pitchFamily="18" charset="0"/>
-                      </a:endParaRPr>
                     </a:p>
                   </a:txBody>
-                  <a:tcPr marL="8241" marR="8241" marT="8241" marB="0" anchor="ctr"/>
+                  <a:tcPr marL="60960" marR="60960" marT="60960" marB="60960"/>
                 </a:tc>
                 <a:extLst>
                   <a:ext uri="{0D108BD9-81ED-4DB2-BD59-A6C34878D82A}">
@@ -7860,138 +8353,114 @@
                     <a:bodyPr/>
                     <a:lstStyle/>
                     <a:p>
-                      <a:pPr algn="ctr" fontAlgn="ctr">
-                        <a:buNone/>
-                      </a:pPr>
+                      <a:pPr fontAlgn="t"/>
                       <a:r>
-                        <a:rPr lang="en-US" sz="1200" dirty="0"/>
+                        <a:rPr lang="en-US" sz="1400" b="1">
+                          <a:solidFill>
+                            <a:schemeClr val="tx1"/>
+                          </a:solidFill>
+                          <a:effectLst/>
+                        </a:rPr>
                         <a:t>2024</a:t>
                       </a:r>
-                      <a:endParaRPr lang="en-US" sz="1200" b="0" i="0" u="none" strike="noStrike" dirty="0">
-                        <a:solidFill>
-                          <a:srgbClr val="000000"/>
-                        </a:solidFill>
-                        <a:effectLst/>
-                        <a:latin typeface="Times New Roman" panose="02020603050405020304" pitchFamily="18" charset="0"/>
-                      </a:endParaRPr>
                     </a:p>
                   </a:txBody>
-                  <a:tcPr marL="8241" marR="8241" marT="8241" marB="0" anchor="ctr"/>
+                  <a:tcPr marL="60960" marR="60960" marT="60960" marB="60960"/>
                 </a:tc>
                 <a:tc>
                   <a:txBody>
                     <a:bodyPr/>
                     <a:lstStyle/>
                     <a:p>
-                      <a:pPr algn="ctr" fontAlgn="ctr">
-                        <a:buNone/>
-                      </a:pPr>
+                      <a:pPr fontAlgn="t"/>
                       <a:r>
-                        <a:rPr lang="en-US" sz="1200" dirty="0"/>
+                        <a:rPr lang="en-US" sz="1400">
+                          <a:solidFill>
+                            <a:schemeClr val="tx1"/>
+                          </a:solidFill>
+                          <a:effectLst/>
+                        </a:rPr>
                         <a:t>Ma et al</a:t>
                       </a:r>
-                      <a:endParaRPr lang="en-US" sz="1200" b="0" i="0" u="none" strike="noStrike" dirty="0">
-                        <a:solidFill>
-                          <a:srgbClr val="000000"/>
-                        </a:solidFill>
-                        <a:effectLst/>
-                        <a:latin typeface="Times New Roman" panose="02020603050405020304" pitchFamily="18" charset="0"/>
-                      </a:endParaRPr>
                     </a:p>
                   </a:txBody>
-                  <a:tcPr marL="8241" marR="8241" marT="8241" marB="0" anchor="ctr"/>
+                  <a:tcPr marL="60960" marR="60960" marT="60960" marB="60960"/>
                 </a:tc>
                 <a:tc>
                   <a:txBody>
                     <a:bodyPr/>
                     <a:lstStyle/>
                     <a:p>
-                      <a:pPr algn="ctr" fontAlgn="ctr">
-                        <a:buNone/>
-                      </a:pPr>
+                      <a:pPr fontAlgn="t"/>
                       <a:r>
-                        <a:rPr lang="en-US" sz="1200" dirty="0"/>
-                        <a:t>Sequential CNN (SCNN) with FPSO optimization</a:t>
+                        <a:rPr lang="en-US" sz="1400">
+                          <a:solidFill>
+                            <a:schemeClr val="tx1"/>
+                          </a:solidFill>
+                          <a:effectLst/>
+                        </a:rPr>
+                        <a:t>Sequential CNN (SCNN)</a:t>
                       </a:r>
-                      <a:endParaRPr lang="en-US" sz="1200" b="0" i="0" u="none" strike="noStrike" dirty="0">
-                        <a:solidFill>
-                          <a:srgbClr val="000000"/>
-                        </a:solidFill>
-                        <a:effectLst/>
-                        <a:latin typeface="Times New Roman" panose="02020603050405020304" pitchFamily="18" charset="0"/>
-                      </a:endParaRPr>
                     </a:p>
                   </a:txBody>
-                  <a:tcPr marL="8241" marR="8241" marT="8241" marB="0" anchor="ctr"/>
+                  <a:tcPr marL="60960" marR="60960" marT="60960" marB="60960"/>
                 </a:tc>
                 <a:tc>
                   <a:txBody>
                     <a:bodyPr/>
                     <a:lstStyle/>
                     <a:p>
-                      <a:pPr algn="ctr" fontAlgn="ctr">
-                        <a:buNone/>
-                      </a:pPr>
+                      <a:pPr fontAlgn="t"/>
                       <a:r>
-                        <a:rPr lang="en-US" sz="1200" dirty="0"/>
-                        <a:t>Real-time hospital data + public datasets</a:t>
+                        <a:rPr lang="en-US" sz="1400">
+                          <a:solidFill>
+                            <a:schemeClr val="tx1"/>
+                          </a:solidFill>
+                          <a:effectLst/>
+                        </a:rPr>
+                        <a:t>Hospital + LIDC/LUNA16</a:t>
                       </a:r>
-                      <a:endParaRPr lang="en-US" sz="1200" b="0" i="0" u="none" strike="noStrike" dirty="0">
-                        <a:solidFill>
-                          <a:srgbClr val="000000"/>
-                        </a:solidFill>
-                        <a:effectLst/>
-                        <a:latin typeface="Times New Roman" panose="02020603050405020304" pitchFamily="18" charset="0"/>
-                      </a:endParaRPr>
                     </a:p>
                   </a:txBody>
-                  <a:tcPr marL="8241" marR="8241" marT="8241" marB="0" anchor="ctr"/>
+                  <a:tcPr marL="60960" marR="60960" marT="60960" marB="60960"/>
                 </a:tc>
                 <a:tc>
                   <a:txBody>
                     <a:bodyPr/>
                     <a:lstStyle/>
                     <a:p>
-                      <a:pPr algn="ctr" fontAlgn="ctr">
-                        <a:buNone/>
-                      </a:pPr>
+                      <a:pPr fontAlgn="t"/>
                       <a:r>
-                        <a:rPr lang="en-US" sz="1200" dirty="0"/>
-                        <a:t>Reduced computational complexity and inference time; 91% accuracy</a:t>
+                        <a:rPr lang="en-US" sz="1400" dirty="0">
+                          <a:solidFill>
+                            <a:schemeClr val="tx1"/>
+                          </a:solidFill>
+                          <a:effectLst/>
+                        </a:rPr>
+                        <a:t>91% accuracy; 40% faster inference; effective noise filtering</a:t>
                       </a:r>
-                      <a:endParaRPr lang="en-US" sz="1200" b="0" i="0" u="none" strike="noStrike" dirty="0">
-                        <a:solidFill>
-                          <a:srgbClr val="000000"/>
-                        </a:solidFill>
-                        <a:effectLst/>
-                        <a:latin typeface="Times New Roman" panose="02020603050405020304" pitchFamily="18" charset="0"/>
-                      </a:endParaRPr>
                     </a:p>
                   </a:txBody>
-                  <a:tcPr marL="8241" marR="8241" marT="8241" marB="0" anchor="ctr"/>
+                  <a:tcPr marL="60960" marR="60960" marT="60960" marB="60960"/>
                 </a:tc>
                 <a:tc>
                   <a:txBody>
                     <a:bodyPr/>
                     <a:lstStyle/>
                     <a:p>
-                      <a:pPr algn="ctr" fontAlgn="ctr">
-                        <a:buNone/>
-                      </a:pPr>
+                      <a:pPr fontAlgn="t"/>
                       <a:r>
-                        <a:rPr lang="en-US" sz="1200" dirty="0"/>
-                        <a:t>Traditional models struggle with false positives and noise</a:t>
+                        <a:rPr lang="en-US" sz="1400">
+                          <a:solidFill>
+                            <a:schemeClr val="tx1"/>
+                          </a:solidFill>
+                          <a:effectLst/>
+                        </a:rPr>
+                        <a:t>Poor boundary detection; false positives remain; pooling loses spatial info</a:t>
                       </a:r>
-                      <a:endParaRPr lang="en-US" sz="1200" b="0" i="0" u="none" strike="noStrike" dirty="0">
-                        <a:solidFill>
-                          <a:srgbClr val="000000"/>
-                        </a:solidFill>
-                        <a:effectLst/>
-                        <a:latin typeface="Times New Roman" panose="02020603050405020304" pitchFamily="18" charset="0"/>
-                      </a:endParaRPr>
                     </a:p>
                   </a:txBody>
-                  <a:tcPr marL="8241" marR="8241" marT="8241" marB="0" anchor="ctr"/>
+                  <a:tcPr marL="60960" marR="60960" marT="60960" marB="60960"/>
                 </a:tc>
                 <a:extLst>
                   <a:ext uri="{0D108BD9-81ED-4DB2-BD59-A6C34878D82A}">
@@ -8005,150 +8474,114 @@
                     <a:bodyPr/>
                     <a:lstStyle/>
                     <a:p>
-                      <a:pPr algn="ctr" fontAlgn="ctr">
-                        <a:buNone/>
-                      </a:pPr>
+                      <a:pPr fontAlgn="t"/>
                       <a:r>
-                        <a:rPr lang="en-US" sz="1200" u="none" strike="noStrike" dirty="0">
+                        <a:rPr lang="en-US" sz="1400" b="1">
+                          <a:solidFill>
+                            <a:schemeClr val="tx1"/>
+                          </a:solidFill>
                           <a:effectLst/>
                         </a:rPr>
                         <a:t>2016</a:t>
                       </a:r>
-                      <a:endParaRPr lang="en-US" sz="1200" b="0" i="0" u="none" strike="noStrike" dirty="0">
-                        <a:solidFill>
-                          <a:srgbClr val="000000"/>
-                        </a:solidFill>
-                        <a:effectLst/>
-                        <a:latin typeface="Times New Roman" panose="02020603050405020304" pitchFamily="18" charset="0"/>
-                      </a:endParaRPr>
                     </a:p>
                   </a:txBody>
-                  <a:tcPr marL="8241" marR="8241" marT="8241" marB="0" anchor="ctr"/>
+                  <a:tcPr marL="60960" marR="60960" marT="60960" marB="60960"/>
                 </a:tc>
                 <a:tc>
                   <a:txBody>
                     <a:bodyPr/>
                     <a:lstStyle/>
                     <a:p>
-                      <a:pPr algn="ctr" fontAlgn="ctr">
-                        <a:buNone/>
-                      </a:pPr>
+                      <a:pPr fontAlgn="t"/>
                       <a:r>
-                        <a:rPr lang="en-US" sz="1200" u="none" strike="noStrike" dirty="0">
+                        <a:rPr lang="en-US" sz="1400">
+                          <a:solidFill>
+                            <a:schemeClr val="tx1"/>
+                          </a:solidFill>
                           <a:effectLst/>
                         </a:rPr>
                         <a:t>Shin et al</a:t>
                       </a:r>
-                      <a:endParaRPr lang="en-US" sz="1200" b="0" i="0" u="none" strike="noStrike" dirty="0">
-                        <a:solidFill>
-                          <a:srgbClr val="000000"/>
-                        </a:solidFill>
-                        <a:effectLst/>
-                        <a:latin typeface="Times New Roman" panose="02020603050405020304" pitchFamily="18" charset="0"/>
-                      </a:endParaRPr>
                     </a:p>
                   </a:txBody>
-                  <a:tcPr marL="8241" marR="8241" marT="8241" marB="0" anchor="ctr"/>
+                  <a:tcPr marL="60960" marR="60960" marT="60960" marB="60960"/>
                 </a:tc>
                 <a:tc>
                   <a:txBody>
                     <a:bodyPr/>
                     <a:lstStyle/>
                     <a:p>
-                      <a:pPr algn="ctr" fontAlgn="ctr">
-                        <a:buNone/>
-                      </a:pPr>
+                      <a:pPr fontAlgn="t"/>
                       <a:r>
-                        <a:rPr lang="en-US" sz="1200" u="none" strike="noStrike" dirty="0">
+                        <a:rPr lang="en-US" sz="1400">
+                          <a:solidFill>
+                            <a:schemeClr val="tx1"/>
+                          </a:solidFill>
                           <a:effectLst/>
                         </a:rPr>
                         <a:t>Deep CNN</a:t>
                       </a:r>
-                      <a:endParaRPr lang="en-US" sz="1200" b="0" i="0" u="none" strike="noStrike" dirty="0">
-                        <a:solidFill>
-                          <a:srgbClr val="000000"/>
-                        </a:solidFill>
-                        <a:effectLst/>
-                        <a:latin typeface="Times New Roman" panose="02020603050405020304" pitchFamily="18" charset="0"/>
-                      </a:endParaRPr>
                     </a:p>
                   </a:txBody>
-                  <a:tcPr marL="8241" marR="8241" marT="8241" marB="0" anchor="ctr"/>
+                  <a:tcPr marL="60960" marR="60960" marT="60960" marB="60960"/>
                 </a:tc>
                 <a:tc>
                   <a:txBody>
                     <a:bodyPr/>
                     <a:lstStyle/>
                     <a:p>
-                      <a:pPr algn="ctr" fontAlgn="ctr">
-                        <a:buNone/>
-                      </a:pPr>
+                      <a:pPr fontAlgn="t"/>
                       <a:r>
-                        <a:rPr lang="en-US" sz="1200" u="none" strike="noStrike" dirty="0">
+                        <a:rPr lang="en-US" sz="1400">
+                          <a:solidFill>
+                            <a:schemeClr val="tx1"/>
+                          </a:solidFill>
                           <a:effectLst/>
                         </a:rPr>
-                        <a:t>Thoraco-abdominal CT</a:t>
+                        <a:t>Thoraco-abdominal CT (427 patients)</a:t>
                       </a:r>
-                      <a:endParaRPr lang="en-US" sz="1200" b="0" i="0" u="none" strike="noStrike" dirty="0">
-                        <a:solidFill>
-                          <a:srgbClr val="000000"/>
-                        </a:solidFill>
-                        <a:effectLst/>
-                        <a:latin typeface="Times New Roman" panose="02020603050405020304" pitchFamily="18" charset="0"/>
-                      </a:endParaRPr>
                     </a:p>
                   </a:txBody>
-                  <a:tcPr marL="8241" marR="8241" marT="8241" marB="0" anchor="ctr"/>
+                  <a:tcPr marL="60960" marR="60960" marT="60960" marB="60960"/>
                 </a:tc>
                 <a:tc>
                   <a:txBody>
                     <a:bodyPr/>
                     <a:lstStyle/>
                     <a:p>
-                      <a:pPr algn="ctr" fontAlgn="ctr">
-                        <a:buNone/>
-                      </a:pPr>
+                      <a:pPr fontAlgn="t"/>
                       <a:r>
-                        <a:rPr lang="en-US" sz="1200" u="none" strike="noStrike" dirty="0">
+                        <a:rPr lang="en-US" sz="1400">
+                          <a:solidFill>
+                            <a:schemeClr val="tx1"/>
+                          </a:solidFill>
                           <a:effectLst/>
                         </a:rPr>
-                        <a:t>85% sensitivity, strong feature learning</a:t>
+                        <a:t>85% sensitivity; pioneering deep learning work for detection</a:t>
                       </a:r>
-                      <a:endParaRPr lang="en-US" sz="1200" b="0" i="0" u="none" strike="noStrike" dirty="0">
-                        <a:solidFill>
-                          <a:srgbClr val="000000"/>
-                        </a:solidFill>
-                        <a:effectLst/>
-                        <a:latin typeface="Times New Roman" panose="02020603050405020304" pitchFamily="18" charset="0"/>
-                      </a:endParaRPr>
                     </a:p>
                   </a:txBody>
-                  <a:tcPr marL="8241" marR="8241" marT="8241" marB="0" anchor="ctr"/>
+                  <a:tcPr marL="60960" marR="60960" marT="60960" marB="60960"/>
                 </a:tc>
                 <a:tc>
                   <a:txBody>
                     <a:bodyPr/>
                     <a:lstStyle/>
                     <a:p>
-                      <a:pPr algn="ctr" fontAlgn="ctr">
-                        <a:buNone/>
-                      </a:pPr>
+                      <a:pPr fontAlgn="t"/>
                       <a:r>
-                        <a:rPr lang="en-US" sz="1200" u="none" strike="noStrike" dirty="0">
+                        <a:rPr lang="en-US" sz="1400">
+                          <a:solidFill>
+                            <a:schemeClr val="tx1"/>
+                          </a:solidFill>
                           <a:effectLst/>
                         </a:rPr>
-                        <a:t>Poor generalization, needs fine-tuning</a:t>
+                        <a:t>Poor generalization across scanners; needs fine-tuning per dataset</a:t>
                       </a:r>
-                      <a:endParaRPr lang="en-US" sz="1200" b="0" i="0" u="none" strike="noStrike" dirty="0">
-                        <a:solidFill>
-                          <a:srgbClr val="000000"/>
-                        </a:solidFill>
-                        <a:effectLst/>
-                        <a:latin typeface="Times New Roman" panose="02020603050405020304" pitchFamily="18" charset="0"/>
-                      </a:endParaRPr>
                     </a:p>
                   </a:txBody>
-                  <a:tcPr marL="8241" marR="8241" marT="8241" marB="0" anchor="ctr"/>
+                  <a:tcPr marL="60960" marR="60960" marT="60960" marB="60960"/>
                 </a:tc>
                 <a:extLst>
                   <a:ext uri="{0D108BD9-81ED-4DB2-BD59-A6C34878D82A}">
@@ -8162,150 +8595,114 @@
                     <a:bodyPr/>
                     <a:lstStyle/>
                     <a:p>
-                      <a:pPr algn="ctr" fontAlgn="ctr">
-                        <a:buNone/>
-                      </a:pPr>
+                      <a:pPr fontAlgn="t"/>
                       <a:r>
-                        <a:rPr lang="en-US" sz="1200" u="none" strike="noStrike" dirty="0">
+                        <a:rPr lang="en-US" sz="1400" b="1">
+                          <a:solidFill>
+                            <a:schemeClr val="tx1"/>
+                          </a:solidFill>
                           <a:effectLst/>
                         </a:rPr>
                         <a:t>2015</a:t>
                       </a:r>
-                      <a:endParaRPr lang="en-US" sz="1200" b="0" i="0" u="none" strike="noStrike" dirty="0">
-                        <a:solidFill>
-                          <a:srgbClr val="000000"/>
-                        </a:solidFill>
-                        <a:effectLst/>
-                        <a:latin typeface="Times New Roman" panose="02020603050405020304" pitchFamily="18" charset="0"/>
-                      </a:endParaRPr>
                     </a:p>
                   </a:txBody>
-                  <a:tcPr marL="8241" marR="8241" marT="8241" marB="0" anchor="ctr"/>
+                  <a:tcPr marL="60960" marR="60960" marT="60960" marB="60960"/>
                 </a:tc>
                 <a:tc>
                   <a:txBody>
                     <a:bodyPr/>
                     <a:lstStyle/>
                     <a:p>
-                      <a:pPr algn="ctr" fontAlgn="ctr">
-                        <a:buNone/>
-                      </a:pPr>
+                      <a:pPr fontAlgn="t"/>
                       <a:r>
-                        <a:rPr lang="en-US" sz="1200" u="none" strike="noStrike" dirty="0">
+                        <a:rPr lang="en-US" sz="1400">
+                          <a:solidFill>
+                            <a:schemeClr val="tx1"/>
+                          </a:solidFill>
                           <a:effectLst/>
                         </a:rPr>
                         <a:t>Kumar et al</a:t>
                       </a:r>
-                      <a:endParaRPr lang="en-US" sz="1200" b="0" i="0" u="none" strike="noStrike" dirty="0">
-                        <a:solidFill>
-                          <a:srgbClr val="000000"/>
-                        </a:solidFill>
-                        <a:effectLst/>
-                        <a:latin typeface="Times New Roman" panose="02020603050405020304" pitchFamily="18" charset="0"/>
-                      </a:endParaRPr>
                     </a:p>
                   </a:txBody>
-                  <a:tcPr marL="8241" marR="8241" marT="8241" marB="0" anchor="ctr"/>
+                  <a:tcPr marL="60960" marR="60960" marT="60960" marB="60960"/>
                 </a:tc>
                 <a:tc>
                   <a:txBody>
                     <a:bodyPr/>
                     <a:lstStyle/>
                     <a:p>
-                      <a:pPr algn="ctr" fontAlgn="ctr">
-                        <a:buNone/>
-                      </a:pPr>
+                      <a:pPr fontAlgn="t"/>
                       <a:r>
-                        <a:rPr lang="en-US" sz="1200" u="none" strike="noStrike" dirty="0">
+                        <a:rPr lang="en-US" sz="1400">
+                          <a:solidFill>
+                            <a:schemeClr val="tx1"/>
+                          </a:solidFill>
                           <a:effectLst/>
                         </a:rPr>
-                        <a:t>Autoencoder-based CNN</a:t>
+                        <a:t>Autoencoder CNN</a:t>
                       </a:r>
-                      <a:endParaRPr lang="en-US" sz="1200" b="0" i="0" u="none" strike="noStrike" dirty="0">
-                        <a:solidFill>
-                          <a:srgbClr val="000000"/>
-                        </a:solidFill>
-                        <a:effectLst/>
-                        <a:latin typeface="Times New Roman" panose="02020603050405020304" pitchFamily="18" charset="0"/>
-                      </a:endParaRPr>
                     </a:p>
                   </a:txBody>
-                  <a:tcPr marL="8241" marR="8241" marT="8241" marB="0" anchor="ctr"/>
+                  <a:tcPr marL="60960" marR="60960" marT="60960" marB="60960"/>
                 </a:tc>
                 <a:tc>
                   <a:txBody>
                     <a:bodyPr/>
                     <a:lstStyle/>
                     <a:p>
-                      <a:pPr algn="ctr" fontAlgn="ctr">
-                        <a:buNone/>
-                      </a:pPr>
+                      <a:pPr fontAlgn="t"/>
                       <a:r>
-                        <a:rPr lang="en-US" sz="1200" u="none" strike="noStrike" dirty="0">
+                        <a:rPr lang="en-US" sz="1400">
+                          <a:solidFill>
+                            <a:schemeClr val="tx1"/>
+                          </a:solidFill>
                           <a:effectLst/>
                         </a:rPr>
-                        <a:t>LIDC Dataset</a:t>
+                        <a:t>LIDC (1,018 scans)</a:t>
                       </a:r>
-                      <a:endParaRPr lang="en-US" sz="1200" b="0" i="0" u="none" strike="noStrike" dirty="0">
-                        <a:solidFill>
-                          <a:srgbClr val="000000"/>
-                        </a:solidFill>
-                        <a:effectLst/>
-                        <a:latin typeface="Times New Roman" panose="02020603050405020304" pitchFamily="18" charset="0"/>
-                      </a:endParaRPr>
                     </a:p>
                   </a:txBody>
-                  <a:tcPr marL="8241" marR="8241" marT="8241" marB="0" anchor="ctr"/>
+                  <a:tcPr marL="60960" marR="60960" marT="60960" marB="60960"/>
                 </a:tc>
                 <a:tc>
                   <a:txBody>
                     <a:bodyPr/>
                     <a:lstStyle/>
                     <a:p>
-                      <a:pPr algn="ctr" fontAlgn="ctr">
-                        <a:buNone/>
-                      </a:pPr>
+                      <a:pPr fontAlgn="t"/>
                       <a:r>
-                        <a:rPr lang="en-US" sz="1200" u="none" strike="noStrike" dirty="0">
+                        <a:rPr lang="en-US" sz="1400">
+                          <a:solidFill>
+                            <a:schemeClr val="tx1"/>
+                          </a:solidFill>
                           <a:effectLst/>
                         </a:rPr>
-                        <a:t>75% accuracy; used deep features</a:t>
+                        <a:t>75% accuracy; unsupervised feature learning</a:t>
                       </a:r>
-                      <a:endParaRPr lang="en-US" sz="1200" b="0" i="0" u="none" strike="noStrike" dirty="0">
-                        <a:solidFill>
-                          <a:srgbClr val="000000"/>
-                        </a:solidFill>
-                        <a:effectLst/>
-                        <a:latin typeface="Times New Roman" panose="02020603050405020304" pitchFamily="18" charset="0"/>
-                      </a:endParaRPr>
                     </a:p>
                   </a:txBody>
-                  <a:tcPr marL="8241" marR="8241" marT="8241" marB="0" anchor="ctr"/>
+                  <a:tcPr marL="60960" marR="60960" marT="60960" marB="60960"/>
                 </a:tc>
                 <a:tc>
                   <a:txBody>
                     <a:bodyPr/>
                     <a:lstStyle/>
                     <a:p>
-                      <a:pPr algn="ctr" fontAlgn="ctr">
-                        <a:buNone/>
-                      </a:pPr>
+                      <a:pPr fontAlgn="t"/>
                       <a:r>
-                        <a:rPr lang="en-US" sz="1200" u="none" strike="noStrike" dirty="0">
+                        <a:rPr lang="en-US" sz="1400">
+                          <a:solidFill>
+                            <a:schemeClr val="tx1"/>
+                          </a:solidFill>
                           <a:effectLst/>
                         </a:rPr>
-                        <a:t>Overfitting due to limited data</a:t>
+                        <a:t>Significant overfitting; low accuracy on limited data</a:t>
                       </a:r>
-                      <a:endParaRPr lang="en-US" sz="1200" b="0" i="0" u="none" strike="noStrike" dirty="0">
-                        <a:solidFill>
-                          <a:srgbClr val="000000"/>
-                        </a:solidFill>
-                        <a:effectLst/>
-                        <a:latin typeface="Times New Roman" panose="02020603050405020304" pitchFamily="18" charset="0"/>
-                      </a:endParaRPr>
                     </a:p>
                   </a:txBody>
-                  <a:tcPr marL="8241" marR="8241" marT="8241" marB="0" anchor="ctr"/>
+                  <a:tcPr marL="60960" marR="60960" marT="60960" marB="60960"/>
                 </a:tc>
                 <a:extLst>
                   <a:ext uri="{0D108BD9-81ED-4DB2-BD59-A6C34878D82A}">
@@ -8319,150 +8716,114 @@
                     <a:bodyPr/>
                     <a:lstStyle/>
                     <a:p>
-                      <a:pPr algn="ctr" fontAlgn="ctr">
-                        <a:buNone/>
-                      </a:pPr>
+                      <a:pPr fontAlgn="t"/>
                       <a:r>
-                        <a:rPr lang="en-US" sz="1200" u="none" strike="noStrike" dirty="0">
+                        <a:rPr lang="en-US" sz="1400" b="1">
+                          <a:solidFill>
+                            <a:schemeClr val="tx1"/>
+                          </a:solidFill>
                           <a:effectLst/>
                         </a:rPr>
                         <a:t>2014</a:t>
                       </a:r>
-                      <a:endParaRPr lang="en-US" sz="1200" b="0" i="0" u="none" strike="noStrike" dirty="0">
-                        <a:solidFill>
-                          <a:srgbClr val="000000"/>
-                        </a:solidFill>
-                        <a:effectLst/>
-                        <a:latin typeface="Times New Roman" panose="02020603050405020304" pitchFamily="18" charset="0"/>
-                      </a:endParaRPr>
                     </a:p>
                   </a:txBody>
-                  <a:tcPr marL="8241" marR="8241" marT="8241" marB="0" anchor="ctr"/>
+                  <a:tcPr marL="60960" marR="60960" marT="60960" marB="60960"/>
                 </a:tc>
                 <a:tc>
                   <a:txBody>
                     <a:bodyPr/>
                     <a:lstStyle/>
                     <a:p>
-                      <a:pPr algn="ctr" fontAlgn="ctr">
-                        <a:buNone/>
-                      </a:pPr>
+                      <a:pPr fontAlgn="t"/>
                       <a:r>
-                        <a:rPr lang="en-US" sz="1200" u="none" strike="noStrike" dirty="0">
+                        <a:rPr lang="en-US" sz="1400">
+                          <a:solidFill>
+                            <a:schemeClr val="tx1"/>
+                          </a:solidFill>
                           <a:effectLst/>
                         </a:rPr>
                         <a:t>Stewart &amp; Wild</a:t>
                       </a:r>
-                      <a:endParaRPr lang="en-US" sz="1200" b="0" i="0" u="none" strike="noStrike" dirty="0">
-                        <a:solidFill>
-                          <a:srgbClr val="000000"/>
-                        </a:solidFill>
-                        <a:effectLst/>
-                        <a:latin typeface="Times New Roman" panose="02020603050405020304" pitchFamily="18" charset="0"/>
-                      </a:endParaRPr>
                     </a:p>
                   </a:txBody>
-                  <a:tcPr marL="8241" marR="8241" marT="8241" marB="0" anchor="ctr"/>
+                  <a:tcPr marL="60960" marR="60960" marT="60960" marB="60960"/>
                 </a:tc>
                 <a:tc>
                   <a:txBody>
                     <a:bodyPr/>
                     <a:lstStyle/>
                     <a:p>
-                      <a:pPr algn="ctr" fontAlgn="ctr">
-                        <a:buNone/>
-                      </a:pPr>
+                      <a:pPr fontAlgn="t"/>
                       <a:r>
-                        <a:rPr lang="en-US" sz="1200" u="none" strike="noStrike" dirty="0">
+                        <a:rPr lang="en-US" sz="1400">
+                          <a:solidFill>
+                            <a:schemeClr val="tx1"/>
+                          </a:solidFill>
                           <a:effectLst/>
                         </a:rPr>
-                        <a:t>Statistical Study</a:t>
+                        <a:t>Statistical Analysis</a:t>
                       </a:r>
-                      <a:endParaRPr lang="en-US" sz="1200" b="0" i="0" u="none" strike="noStrike" dirty="0">
-                        <a:solidFill>
-                          <a:srgbClr val="000000"/>
-                        </a:solidFill>
-                        <a:effectLst/>
-                        <a:latin typeface="Times New Roman" panose="02020603050405020304" pitchFamily="18" charset="0"/>
-                      </a:endParaRPr>
                     </a:p>
                   </a:txBody>
-                  <a:tcPr marL="8241" marR="8241" marT="8241" marB="0" anchor="ctr"/>
+                  <a:tcPr marL="60960" marR="60960" marT="60960" marB="60960"/>
                 </a:tc>
                 <a:tc>
                   <a:txBody>
                     <a:bodyPr/>
                     <a:lstStyle/>
                     <a:p>
-                      <a:pPr algn="ctr" fontAlgn="ctr">
-                        <a:buNone/>
-                      </a:pPr>
+                      <a:pPr fontAlgn="t"/>
                       <a:r>
-                        <a:rPr lang="en-US" sz="1200" u="none" strike="noStrike" dirty="0">
+                        <a:rPr lang="en-US" sz="1400">
+                          <a:solidFill>
+                            <a:schemeClr val="tx1"/>
+                          </a:solidFill>
                           <a:effectLst/>
                         </a:rPr>
-                        <a:t>Global Dataset</a:t>
+                        <a:t>Global Registry (14M cases)</a:t>
                       </a:r>
-                      <a:endParaRPr lang="en-US" sz="1200" b="0" i="0" u="none" strike="noStrike" dirty="0">
-                        <a:solidFill>
-                          <a:srgbClr val="000000"/>
-                        </a:solidFill>
-                        <a:effectLst/>
-                        <a:latin typeface="Times New Roman" panose="02020603050405020304" pitchFamily="18" charset="0"/>
-                      </a:endParaRPr>
                     </a:p>
                   </a:txBody>
-                  <a:tcPr marL="8241" marR="8241" marT="8241" marB="0" anchor="ctr"/>
+                  <a:tcPr marL="60960" marR="60960" marT="60960" marB="60960"/>
                 </a:tc>
                 <a:tc>
                   <a:txBody>
                     <a:bodyPr/>
                     <a:lstStyle/>
                     <a:p>
-                      <a:pPr algn="ctr" fontAlgn="ctr">
-                        <a:buNone/>
-                      </a:pPr>
+                      <a:pPr fontAlgn="t"/>
                       <a:r>
-                        <a:rPr lang="en-US" sz="1200" u="none" strike="noStrike" dirty="0">
+                        <a:rPr lang="en-US" sz="1400">
+                          <a:solidFill>
+                            <a:schemeClr val="tx1"/>
+                          </a:solidFill>
                           <a:effectLst/>
                         </a:rPr>
-                        <a:t>Global cancer mortality trends</a:t>
+                        <a:t>1.59M lung cancer deaths annually; establishes urgency</a:t>
                       </a:r>
-                      <a:endParaRPr lang="en-US" sz="1200" b="0" i="0" u="none" strike="noStrike" dirty="0">
-                        <a:solidFill>
-                          <a:srgbClr val="000000"/>
-                        </a:solidFill>
-                        <a:effectLst/>
-                        <a:latin typeface="Times New Roman" panose="02020603050405020304" pitchFamily="18" charset="0"/>
-                      </a:endParaRPr>
                     </a:p>
                   </a:txBody>
-                  <a:tcPr marL="8241" marR="8241" marT="8241" marB="0" anchor="ctr"/>
+                  <a:tcPr marL="60960" marR="60960" marT="60960" marB="60960"/>
                 </a:tc>
                 <a:tc>
                   <a:txBody>
                     <a:bodyPr/>
                     <a:lstStyle/>
                     <a:p>
-                      <a:pPr algn="ctr" fontAlgn="ctr">
-                        <a:buNone/>
-                      </a:pPr>
+                      <a:pPr fontAlgn="t"/>
                       <a:r>
-                        <a:rPr lang="en-US" sz="1200" u="none" strike="noStrike" dirty="0">
+                        <a:rPr lang="en-US" sz="1400" dirty="0">
+                          <a:solidFill>
+                            <a:schemeClr val="tx1"/>
+                          </a:solidFill>
                           <a:effectLst/>
                         </a:rPr>
-                        <a:t>No automation; manual analysis</a:t>
+                        <a:t>No automation; highlights need for CAD systems</a:t>
                       </a:r>
-                      <a:endParaRPr lang="en-US" sz="1200" b="0" i="0" u="none" strike="noStrike" dirty="0">
-                        <a:solidFill>
-                          <a:srgbClr val="000000"/>
-                        </a:solidFill>
-                        <a:effectLst/>
-                        <a:latin typeface="Times New Roman" panose="02020603050405020304" pitchFamily="18" charset="0"/>
-                      </a:endParaRPr>
                     </a:p>
                   </a:txBody>
-                  <a:tcPr marL="8241" marR="8241" marT="8241" marB="0" anchor="ctr"/>
+                  <a:tcPr marL="60960" marR="60960" marT="60960" marB="60960"/>
                 </a:tc>
                 <a:extLst>
                   <a:ext uri="{0D108BD9-81ED-4DB2-BD59-A6C34878D82A}">
@@ -8492,6 +8853,862 @@
   <p:cSld>
     <p:spTree>
       <p:nvGrpSpPr>
+        <p:cNvPr id="1" name=""/>
+        <p:cNvGrpSpPr/>
+        <p:nvPr/>
+      </p:nvGrpSpPr>
+      <p:grpSpPr>
+        <a:xfrm>
+          <a:off x="0" y="0"/>
+          <a:ext cx="0" cy="0"/>
+          <a:chOff x="0" y="0"/>
+          <a:chExt cx="0" cy="0"/>
+        </a:xfrm>
+      </p:grpSpPr>
+      <p:sp>
+        <p:nvSpPr>
+          <p:cNvPr id="2" name="Title 1">
+            <a:extLst>
+              <a:ext uri="{FF2B5EF4-FFF2-40B4-BE49-F238E27FC236}">
+                <a16:creationId xmlns:a16="http://schemas.microsoft.com/office/drawing/2014/main" id="{7C3A9D6F-0A7F-41A5-96FC-71F774A38C39}"/>
+              </a:ext>
+            </a:extLst>
+          </p:cNvPr>
+          <p:cNvSpPr>
+            <a:spLocks noGrp="1"/>
+          </p:cNvSpPr>
+          <p:nvPr>
+            <p:ph type="title"/>
+          </p:nvPr>
+        </p:nvSpPr>
+        <p:spPr>
+          <a:xfrm>
+            <a:off x="104775" y="0"/>
+            <a:ext cx="10515600" cy="1325563"/>
+          </a:xfrm>
+        </p:spPr>
+        <p:txBody>
+          <a:bodyPr>
+            <a:normAutofit/>
+          </a:bodyPr>
+          <a:lstStyle/>
+          <a:p>
+            <a:r>
+              <a:rPr lang="en-US" sz="3600" b="1" dirty="0">
+                <a:solidFill>
+                  <a:srgbClr val="002060"/>
+                </a:solidFill>
+                <a:latin typeface="Cambria" panose="02040503050406030204" pitchFamily="18" charset="0"/>
+                <a:ea typeface="Cambria" panose="02040503050406030204" pitchFamily="18" charset="0"/>
+                <a:cs typeface="Cambria"/>
+              </a:rPr>
+              <a:t>Literature</a:t>
+            </a:r>
+            <a:r>
+              <a:rPr lang="en-US" sz="3600" dirty="0"/>
+              <a:t> </a:t>
+            </a:r>
+            <a:r>
+              <a:rPr lang="en-US" sz="3600" b="1" dirty="0">
+                <a:solidFill>
+                  <a:srgbClr val="002060"/>
+                </a:solidFill>
+                <a:latin typeface="Cambria" panose="02040503050406030204" pitchFamily="18" charset="0"/>
+                <a:ea typeface="Cambria" panose="02040503050406030204" pitchFamily="18" charset="0"/>
+                <a:cs typeface="Cambria"/>
+              </a:rPr>
+              <a:t>review</a:t>
+            </a:r>
+            <a:endParaRPr lang="en-US" sz="3600" dirty="0"/>
+          </a:p>
+        </p:txBody>
+      </p:sp>
+      <p:graphicFrame>
+        <p:nvGraphicFramePr>
+          <p:cNvPr id="4" name="Content Placeholder 3">
+            <a:extLst>
+              <a:ext uri="{FF2B5EF4-FFF2-40B4-BE49-F238E27FC236}">
+                <a16:creationId xmlns:a16="http://schemas.microsoft.com/office/drawing/2014/main" id="{AD2B3321-0C04-44D0-B79D-03FDFF89BB1C}"/>
+              </a:ext>
+            </a:extLst>
+          </p:cNvPr>
+          <p:cNvGraphicFramePr>
+            <a:graphicFrameLocks noGrp="1"/>
+          </p:cNvGraphicFramePr>
+          <p:nvPr>
+            <p:ph idx="1"/>
+            <p:extLst>
+              <p:ext uri="{D42A27DB-BD31-4B8C-83A1-F6EECF244321}">
+                <p14:modId xmlns:p14="http://schemas.microsoft.com/office/powerpoint/2010/main" val="2390573356"/>
+              </p:ext>
+            </p:extLst>
+          </p:nvPr>
+        </p:nvGraphicFramePr>
+        <p:xfrm>
+          <a:off x="381000" y="953908"/>
+          <a:ext cx="11468101" cy="5835733"/>
+        </p:xfrm>
+        <a:graphic>
+          <a:graphicData uri="http://schemas.openxmlformats.org/drawingml/2006/table">
+            <a:tbl>
+              <a:tblPr>
+                <a:tableStyleId>{5C22544A-7EE6-4342-B048-85BDC9FD1C3A}</a:tableStyleId>
+              </a:tblPr>
+              <a:tblGrid>
+                <a:gridCol w="711322">
+                  <a:extLst>
+                    <a:ext uri="{9D8B030D-6E8A-4147-A177-3AD203B41FA5}">
+                      <a16:colId xmlns:a16="http://schemas.microsoft.com/office/drawing/2014/main" val="4190560603"/>
+                    </a:ext>
+                  </a:extLst>
+                </a:gridCol>
+                <a:gridCol w="1315947">
+                  <a:extLst>
+                    <a:ext uri="{9D8B030D-6E8A-4147-A177-3AD203B41FA5}">
+                      <a16:colId xmlns:a16="http://schemas.microsoft.com/office/drawing/2014/main" val="3027465754"/>
+                    </a:ext>
+                  </a:extLst>
+                </a:gridCol>
+                <a:gridCol w="2703025">
+                  <a:extLst>
+                    <a:ext uri="{9D8B030D-6E8A-4147-A177-3AD203B41FA5}">
+                      <a16:colId xmlns:a16="http://schemas.microsoft.com/office/drawing/2014/main" val="2102900712"/>
+                    </a:ext>
+                  </a:extLst>
+                </a:gridCol>
+                <a:gridCol w="2002201">
+                  <a:extLst>
+                    <a:ext uri="{9D8B030D-6E8A-4147-A177-3AD203B41FA5}">
+                      <a16:colId xmlns:a16="http://schemas.microsoft.com/office/drawing/2014/main" val="3241913873"/>
+                    </a:ext>
+                  </a:extLst>
+                </a:gridCol>
+                <a:gridCol w="2190652">
+                  <a:extLst>
+                    <a:ext uri="{9D8B030D-6E8A-4147-A177-3AD203B41FA5}">
+                      <a16:colId xmlns:a16="http://schemas.microsoft.com/office/drawing/2014/main" val="3035041824"/>
+                    </a:ext>
+                  </a:extLst>
+                </a:gridCol>
+                <a:gridCol w="2544954">
+                  <a:extLst>
+                    <a:ext uri="{9D8B030D-6E8A-4147-A177-3AD203B41FA5}">
+                      <a16:colId xmlns:a16="http://schemas.microsoft.com/office/drawing/2014/main" val="267709535"/>
+                    </a:ext>
+                  </a:extLst>
+                </a:gridCol>
+              </a:tblGrid>
+              <a:tr h="410293">
+                <a:tc>
+                  <a:txBody>
+                    <a:bodyPr/>
+                    <a:lstStyle/>
+                    <a:p>
+                      <a:pPr marL="0" algn="ctr" defTabSz="914400" rtl="0" eaLnBrk="1" fontAlgn="base" latinLnBrk="0" hangingPunct="1">
+                        <a:buNone/>
+                      </a:pPr>
+                      <a:r>
+                        <a:rPr lang="en-US" sz="2000" b="1" kern="1200" dirty="0">
+                          <a:solidFill>
+                            <a:schemeClr val="lt1"/>
+                          </a:solidFill>
+                          <a:effectLst/>
+                          <a:latin typeface="Times New Roman"/>
+                          <a:ea typeface="+mn-ea"/>
+                          <a:cs typeface="+mn-cs"/>
+                        </a:rPr>
+                        <a:t>Year</a:t>
+                      </a:r>
+                    </a:p>
+                  </a:txBody>
+                  <a:tcPr marL="8241" marR="8241" marT="8241" marB="0" anchor="ctr">
+                    <a:solidFill>
+                      <a:schemeClr val="accent1">
+                        <a:lumMod val="75000"/>
+                      </a:schemeClr>
+                    </a:solidFill>
+                  </a:tcPr>
+                </a:tc>
+                <a:tc>
+                  <a:txBody>
+                    <a:bodyPr/>
+                    <a:lstStyle/>
+                    <a:p>
+                      <a:pPr marL="0" algn="ctr" defTabSz="914400" rtl="0" eaLnBrk="1" fontAlgn="base" latinLnBrk="0" hangingPunct="1">
+                        <a:buNone/>
+                      </a:pPr>
+                      <a:r>
+                        <a:rPr lang="en-US" sz="2000" b="1" kern="1200" dirty="0">
+                          <a:solidFill>
+                            <a:schemeClr val="lt1"/>
+                          </a:solidFill>
+                          <a:effectLst/>
+                          <a:latin typeface="Times New Roman"/>
+                          <a:ea typeface="+mn-ea"/>
+                          <a:cs typeface="+mn-cs"/>
+                        </a:rPr>
+                        <a:t>Authors</a:t>
+                      </a:r>
+                    </a:p>
+                  </a:txBody>
+                  <a:tcPr marL="8241" marR="8241" marT="8241" marB="0" anchor="ctr">
+                    <a:solidFill>
+                      <a:schemeClr val="accent1">
+                        <a:lumMod val="75000"/>
+                      </a:schemeClr>
+                    </a:solidFill>
+                  </a:tcPr>
+                </a:tc>
+                <a:tc>
+                  <a:txBody>
+                    <a:bodyPr/>
+                    <a:lstStyle/>
+                    <a:p>
+                      <a:pPr marL="0" algn="ctr" defTabSz="914400" rtl="0" eaLnBrk="1" fontAlgn="base" latinLnBrk="0" hangingPunct="1">
+                        <a:buNone/>
+                      </a:pPr>
+                      <a:r>
+                        <a:rPr lang="en-US" sz="2000" b="1" kern="1200" dirty="0">
+                          <a:solidFill>
+                            <a:schemeClr val="lt1"/>
+                          </a:solidFill>
+                          <a:effectLst/>
+                          <a:latin typeface="Times New Roman"/>
+                          <a:ea typeface="+mn-ea"/>
+                          <a:cs typeface="+mn-cs"/>
+                        </a:rPr>
+                        <a:t>Model / Approach</a:t>
+                      </a:r>
+                    </a:p>
+                  </a:txBody>
+                  <a:tcPr marL="8241" marR="8241" marT="8241" marB="0" anchor="ctr">
+                    <a:solidFill>
+                      <a:schemeClr val="accent1">
+                        <a:lumMod val="75000"/>
+                      </a:schemeClr>
+                    </a:solidFill>
+                  </a:tcPr>
+                </a:tc>
+                <a:tc>
+                  <a:txBody>
+                    <a:bodyPr/>
+                    <a:lstStyle/>
+                    <a:p>
+                      <a:pPr marL="0" algn="ctr" defTabSz="914400" rtl="0" eaLnBrk="1" fontAlgn="base" latinLnBrk="0" hangingPunct="1">
+                        <a:buNone/>
+                      </a:pPr>
+                      <a:r>
+                        <a:rPr lang="en-US" sz="2000" b="1" kern="1200" dirty="0">
+                          <a:solidFill>
+                            <a:schemeClr val="lt1"/>
+                          </a:solidFill>
+                          <a:effectLst/>
+                          <a:latin typeface="Times New Roman"/>
+                          <a:ea typeface="+mn-ea"/>
+                          <a:cs typeface="+mn-cs"/>
+                        </a:rPr>
+                        <a:t>Dataset</a:t>
+                      </a:r>
+                    </a:p>
+                  </a:txBody>
+                  <a:tcPr marL="8241" marR="8241" marT="8241" marB="0" anchor="ctr">
+                    <a:solidFill>
+                      <a:schemeClr val="accent1">
+                        <a:lumMod val="75000"/>
+                      </a:schemeClr>
+                    </a:solidFill>
+                  </a:tcPr>
+                </a:tc>
+                <a:tc>
+                  <a:txBody>
+                    <a:bodyPr/>
+                    <a:lstStyle/>
+                    <a:p>
+                      <a:pPr marL="0" algn="ctr" defTabSz="914400" rtl="0" eaLnBrk="1" fontAlgn="base" latinLnBrk="0" hangingPunct="1">
+                        <a:buNone/>
+                      </a:pPr>
+                      <a:r>
+                        <a:rPr lang="en-US" sz="2000" b="1" kern="1200" dirty="0">
+                          <a:solidFill>
+                            <a:schemeClr val="lt1"/>
+                          </a:solidFill>
+                          <a:effectLst/>
+                          <a:latin typeface="Times New Roman"/>
+                          <a:ea typeface="+mn-ea"/>
+                          <a:cs typeface="+mn-cs"/>
+                        </a:rPr>
+                        <a:t>Key Findings</a:t>
+                      </a:r>
+                    </a:p>
+                  </a:txBody>
+                  <a:tcPr marL="8241" marR="8241" marT="8241" marB="0" anchor="ctr">
+                    <a:solidFill>
+                      <a:schemeClr val="accent1">
+                        <a:lumMod val="75000"/>
+                      </a:schemeClr>
+                    </a:solidFill>
+                  </a:tcPr>
+                </a:tc>
+                <a:tc>
+                  <a:txBody>
+                    <a:bodyPr/>
+                    <a:lstStyle/>
+                    <a:p>
+                      <a:pPr marL="0" algn="ctr" defTabSz="914400" rtl="0" eaLnBrk="1" fontAlgn="base" latinLnBrk="0" hangingPunct="1">
+                        <a:buNone/>
+                      </a:pPr>
+                      <a:r>
+                        <a:rPr lang="en-US" sz="2000" b="1" kern="1200" dirty="0">
+                          <a:solidFill>
+                            <a:schemeClr val="lt1"/>
+                          </a:solidFill>
+                          <a:effectLst/>
+                          <a:latin typeface="Times New Roman"/>
+                          <a:ea typeface="+mn-ea"/>
+                          <a:cs typeface="+mn-cs"/>
+                        </a:rPr>
+                        <a:t>Limitations / Gap</a:t>
+                      </a:r>
+                    </a:p>
+                  </a:txBody>
+                  <a:tcPr marL="8241" marR="8241" marT="8241" marB="0" anchor="ctr">
+                    <a:solidFill>
+                      <a:schemeClr val="accent1">
+                        <a:lumMod val="75000"/>
+                      </a:schemeClr>
+                    </a:solidFill>
+                  </a:tcPr>
+                </a:tc>
+                <a:extLst>
+                  <a:ext uri="{0D108BD9-81ED-4DB2-BD59-A6C34878D82A}">
+                    <a16:rowId xmlns:a16="http://schemas.microsoft.com/office/drawing/2014/main" val="1910568202"/>
+                  </a:ext>
+                </a:extLst>
+              </a:tr>
+              <a:tr h="791279">
+                <a:tc>
+                  <a:txBody>
+                    <a:bodyPr/>
+                    <a:lstStyle/>
+                    <a:p>
+                      <a:pPr fontAlgn="t"/>
+                      <a:r>
+                        <a:rPr lang="en-US" sz="1400" b="0" dirty="0">
+                          <a:solidFill>
+                            <a:schemeClr val="tx1"/>
+                          </a:solidFill>
+                          <a:effectLst/>
+                        </a:rPr>
+                        <a:t>2025</a:t>
+                      </a:r>
+                    </a:p>
+                  </a:txBody>
+                  <a:tcPr marT="91440" marB="91440"/>
+                </a:tc>
+                <a:tc>
+                  <a:txBody>
+                    <a:bodyPr/>
+                    <a:lstStyle/>
+                    <a:p>
+                      <a:pPr fontAlgn="t"/>
+                      <a:r>
+                        <a:rPr lang="en-US" sz="1400">
+                          <a:solidFill>
+                            <a:schemeClr val="tx1"/>
+                          </a:solidFill>
+                          <a:effectLst/>
+                        </a:rPr>
+                        <a:t>Liu et al</a:t>
+                      </a:r>
+                    </a:p>
+                  </a:txBody>
+                  <a:tcPr marT="91440" marB="91440"/>
+                </a:tc>
+                <a:tc>
+                  <a:txBody>
+                    <a:bodyPr/>
+                    <a:lstStyle/>
+                    <a:p>
+                      <a:pPr fontAlgn="t"/>
+                      <a:r>
+                        <a:rPr lang="en-US" sz="1400" dirty="0">
+                          <a:solidFill>
+                            <a:schemeClr val="tx1"/>
+                          </a:solidFill>
+                          <a:effectLst/>
+                        </a:rPr>
+                        <a:t>Hybrid CNN-RNN with Attention Mechanism</a:t>
+                      </a:r>
+                    </a:p>
+                  </a:txBody>
+                  <a:tcPr marT="91440" marB="91440"/>
+                </a:tc>
+                <a:tc>
+                  <a:txBody>
+                    <a:bodyPr/>
+                    <a:lstStyle/>
+                    <a:p>
+                      <a:pPr fontAlgn="t"/>
+                      <a:r>
+                        <a:rPr lang="en-US" sz="1400">
+                          <a:solidFill>
+                            <a:schemeClr val="tx1"/>
+                          </a:solidFill>
+                          <a:effectLst/>
+                        </a:rPr>
+                        <a:t>LUNA16 + LIDC-IDRI</a:t>
+                      </a:r>
+                    </a:p>
+                  </a:txBody>
+                  <a:tcPr marT="91440" marB="91440"/>
+                </a:tc>
+                <a:tc>
+                  <a:txBody>
+                    <a:bodyPr/>
+                    <a:lstStyle/>
+                    <a:p>
+                      <a:pPr fontAlgn="t"/>
+                      <a:r>
+                        <a:rPr lang="en-US" sz="1400">
+                          <a:solidFill>
+                            <a:schemeClr val="tx1"/>
+                          </a:solidFill>
+                          <a:effectLst/>
+                        </a:rPr>
+                        <a:t>92.3% sensitivity; reduced false positives through attention-based feature filtering; effective on multi-scale nodules</a:t>
+                      </a:r>
+                    </a:p>
+                  </a:txBody>
+                  <a:tcPr marT="91440" marB="91440"/>
+                </a:tc>
+                <a:tc>
+                  <a:txBody>
+                    <a:bodyPr/>
+                    <a:lstStyle/>
+                    <a:p>
+                      <a:pPr fontAlgn="t"/>
+                      <a:r>
+                        <a:rPr lang="en-US" sz="1400" dirty="0">
+                          <a:solidFill>
+                            <a:schemeClr val="tx1"/>
+                          </a:solidFill>
+                          <a:effectLst/>
+                        </a:rPr>
+                        <a:t>No comparison with </a:t>
+                      </a:r>
+                      <a:r>
+                        <a:rPr lang="en-US" sz="1400" dirty="0" err="1">
+                          <a:solidFill>
+                            <a:schemeClr val="tx1"/>
+                          </a:solidFill>
+                          <a:effectLst/>
+                        </a:rPr>
+                        <a:t>CapsNets</a:t>
+                      </a:r>
+                      <a:r>
+                        <a:rPr lang="en-US" sz="1400" dirty="0">
+                          <a:solidFill>
+                            <a:schemeClr val="tx1"/>
+                          </a:solidFill>
+                          <a:effectLst/>
+                        </a:rPr>
+                        <a:t>; requires post-processing steps; inference time not optimized</a:t>
+                      </a:r>
+                    </a:p>
+                  </a:txBody>
+                  <a:tcPr marT="91440" marB="91440"/>
+                </a:tc>
+                <a:extLst>
+                  <a:ext uri="{0D108BD9-81ED-4DB2-BD59-A6C34878D82A}">
+                    <a16:rowId xmlns:a16="http://schemas.microsoft.com/office/drawing/2014/main" val="3779368469"/>
+                  </a:ext>
+                </a:extLst>
+              </a:tr>
+              <a:tr h="791279">
+                <a:tc>
+                  <a:txBody>
+                    <a:bodyPr/>
+                    <a:lstStyle/>
+                    <a:p>
+                      <a:pPr fontAlgn="t"/>
+                      <a:r>
+                        <a:rPr lang="en-US" sz="1400" b="0" dirty="0">
+                          <a:solidFill>
+                            <a:schemeClr val="tx1"/>
+                          </a:solidFill>
+                          <a:effectLst/>
+                        </a:rPr>
+                        <a:t>2023</a:t>
+                      </a:r>
+                    </a:p>
+                  </a:txBody>
+                  <a:tcPr marT="91440" marB="91440"/>
+                </a:tc>
+                <a:tc>
+                  <a:txBody>
+                    <a:bodyPr/>
+                    <a:lstStyle/>
+                    <a:p>
+                      <a:pPr fontAlgn="t"/>
+                      <a:r>
+                        <a:rPr lang="en-US" sz="1400">
+                          <a:solidFill>
+                            <a:schemeClr val="tx1"/>
+                          </a:solidFill>
+                          <a:effectLst/>
+                        </a:rPr>
+                        <a:t>Chen et al</a:t>
+                      </a:r>
+                    </a:p>
+                  </a:txBody>
+                  <a:tcPr marT="91440" marB="91440"/>
+                </a:tc>
+                <a:tc>
+                  <a:txBody>
+                    <a:bodyPr/>
+                    <a:lstStyle/>
+                    <a:p>
+                      <a:pPr fontAlgn="t"/>
+                      <a:r>
+                        <a:rPr lang="en-US" sz="1400" dirty="0">
+                          <a:solidFill>
+                            <a:schemeClr val="tx1"/>
+                          </a:solidFill>
+                          <a:effectLst/>
+                        </a:rPr>
+                        <a:t>3D Convolutional Neural Network with Feature Pyramid</a:t>
+                      </a:r>
+                    </a:p>
+                  </a:txBody>
+                  <a:tcPr marT="91440" marB="91440"/>
+                </a:tc>
+                <a:tc>
+                  <a:txBody>
+                    <a:bodyPr/>
+                    <a:lstStyle/>
+                    <a:p>
+                      <a:pPr fontAlgn="t"/>
+                      <a:r>
+                        <a:rPr lang="en-US" sz="1400" dirty="0">
+                          <a:solidFill>
+                            <a:schemeClr val="tx1"/>
+                          </a:solidFill>
+                          <a:effectLst/>
+                        </a:rPr>
+                        <a:t>LIDC-IDRI + Private Hospital Dataset</a:t>
+                      </a:r>
+                    </a:p>
+                  </a:txBody>
+                  <a:tcPr marT="91440" marB="91440"/>
+                </a:tc>
+                <a:tc>
+                  <a:txBody>
+                    <a:bodyPr/>
+                    <a:lstStyle/>
+                    <a:p>
+                      <a:pPr fontAlgn="t"/>
+                      <a:r>
+                        <a:rPr lang="en-US" sz="1400">
+                          <a:solidFill>
+                            <a:schemeClr val="tx1"/>
+                          </a:solidFill>
+                          <a:effectLst/>
+                        </a:rPr>
+                        <a:t>88.5% detection rate; effective 3D context understanding; improved detection of nodules at different depths; validation on 1200+ CT scans</a:t>
+                      </a:r>
+                    </a:p>
+                  </a:txBody>
+                  <a:tcPr marT="91440" marB="91440"/>
+                </a:tc>
+                <a:tc>
+                  <a:txBody>
+                    <a:bodyPr/>
+                    <a:lstStyle/>
+                    <a:p>
+                      <a:pPr fontAlgn="t"/>
+                      <a:r>
+                        <a:rPr lang="en-US" sz="1400">
+                          <a:solidFill>
+                            <a:schemeClr val="tx1"/>
+                          </a:solidFill>
+                          <a:effectLst/>
+                        </a:rPr>
+                        <a:t>Poor generalization across different CT scanners; requires extensive fine-tuning for new datasets; computationally expensive</a:t>
+                      </a:r>
+                    </a:p>
+                  </a:txBody>
+                  <a:tcPr marT="91440" marB="91440"/>
+                </a:tc>
+                <a:extLst>
+                  <a:ext uri="{0D108BD9-81ED-4DB2-BD59-A6C34878D82A}">
+                    <a16:rowId xmlns:a16="http://schemas.microsoft.com/office/drawing/2014/main" val="2967456378"/>
+                  </a:ext>
+                </a:extLst>
+              </a:tr>
+              <a:tr h="791279">
+                <a:tc>
+                  <a:txBody>
+                    <a:bodyPr/>
+                    <a:lstStyle/>
+                    <a:p>
+                      <a:pPr fontAlgn="t"/>
+                      <a:r>
+                        <a:rPr lang="en-US" sz="1400" b="0" dirty="0">
+                          <a:solidFill>
+                            <a:schemeClr val="tx1"/>
+                          </a:solidFill>
+                          <a:effectLst/>
+                        </a:rPr>
+                        <a:t>2022</a:t>
+                      </a:r>
+                    </a:p>
+                  </a:txBody>
+                  <a:tcPr marT="91440" marB="91440"/>
+                </a:tc>
+                <a:tc>
+                  <a:txBody>
+                    <a:bodyPr/>
+                    <a:lstStyle/>
+                    <a:p>
+                      <a:pPr fontAlgn="t"/>
+                      <a:r>
+                        <a:rPr lang="en-US" sz="1400">
+                          <a:solidFill>
+                            <a:schemeClr val="tx1"/>
+                          </a:solidFill>
+                          <a:effectLst/>
+                        </a:rPr>
+                        <a:t>Wang et al</a:t>
+                      </a:r>
+                    </a:p>
+                  </a:txBody>
+                  <a:tcPr marT="91440" marB="91440"/>
+                </a:tc>
+                <a:tc>
+                  <a:txBody>
+                    <a:bodyPr/>
+                    <a:lstStyle/>
+                    <a:p>
+                      <a:pPr fontAlgn="t"/>
+                      <a:r>
+                        <a:rPr lang="en-US" sz="1400">
+                          <a:solidFill>
+                            <a:schemeClr val="tx1"/>
+                          </a:solidFill>
+                          <a:effectLst/>
+                        </a:rPr>
+                        <a:t>ResNet-50 with Transfer Learning</a:t>
+                      </a:r>
+                    </a:p>
+                  </a:txBody>
+                  <a:tcPr marT="91440" marB="91440"/>
+                </a:tc>
+                <a:tc>
+                  <a:txBody>
+                    <a:bodyPr/>
+                    <a:lstStyle/>
+                    <a:p>
+                      <a:pPr fontAlgn="t"/>
+                      <a:r>
+                        <a:rPr lang="en-US" sz="1400">
+                          <a:solidFill>
+                            <a:schemeClr val="tx1"/>
+                          </a:solidFill>
+                          <a:effectLst/>
+                        </a:rPr>
+                        <a:t>LUNA16 Dataset</a:t>
+                      </a:r>
+                    </a:p>
+                  </a:txBody>
+                  <a:tcPr marT="91440" marB="91440"/>
+                </a:tc>
+                <a:tc>
+                  <a:txBody>
+                    <a:bodyPr/>
+                    <a:lstStyle/>
+                    <a:p>
+                      <a:pPr fontAlgn="t"/>
+                      <a:r>
+                        <a:rPr lang="en-US" sz="1400">
+                          <a:solidFill>
+                            <a:schemeClr val="tx1"/>
+                          </a:solidFill>
+                          <a:effectLst/>
+                        </a:rPr>
+                        <a:t>87.2% accuracy; transfer learning reduces training time; pre-training on ImageNet helps feature extraction</a:t>
+                      </a:r>
+                    </a:p>
+                  </a:txBody>
+                  <a:tcPr marT="91440" marB="91440"/>
+                </a:tc>
+                <a:tc>
+                  <a:txBody>
+                    <a:bodyPr/>
+                    <a:lstStyle/>
+                    <a:p>
+                      <a:pPr fontAlgn="t"/>
+                      <a:r>
+                        <a:rPr lang="en-US" sz="1400" dirty="0">
+                          <a:solidFill>
+                            <a:schemeClr val="tx1"/>
+                          </a:solidFill>
+                          <a:effectLst/>
+                        </a:rPr>
+                        <a:t>Overfitting on small datasets; pooling layers lose spatial information; limited effectiveness on irregular nodules</a:t>
+                      </a:r>
+                    </a:p>
+                  </a:txBody>
+                  <a:tcPr marT="91440" marB="91440"/>
+                </a:tc>
+                <a:extLst>
+                  <a:ext uri="{0D108BD9-81ED-4DB2-BD59-A6C34878D82A}">
+                    <a16:rowId xmlns:a16="http://schemas.microsoft.com/office/drawing/2014/main" val="3051226830"/>
+                  </a:ext>
+                </a:extLst>
+              </a:tr>
+              <a:tr h="791279">
+                <a:tc>
+                  <a:txBody>
+                    <a:bodyPr/>
+                    <a:lstStyle/>
+                    <a:p>
+                      <a:pPr fontAlgn="t"/>
+                      <a:r>
+                        <a:rPr lang="en-US" sz="1400" b="0" dirty="0">
+                          <a:solidFill>
+                            <a:schemeClr val="tx1"/>
+                          </a:solidFill>
+                          <a:effectLst/>
+                        </a:rPr>
+                        <a:t>2021</a:t>
+                      </a:r>
+                    </a:p>
+                  </a:txBody>
+                  <a:tcPr marT="91440" marB="91440"/>
+                </a:tc>
+                <a:tc>
+                  <a:txBody>
+                    <a:bodyPr/>
+                    <a:lstStyle/>
+                    <a:p>
+                      <a:pPr fontAlgn="t"/>
+                      <a:r>
+                        <a:rPr lang="en-US" sz="1400">
+                          <a:solidFill>
+                            <a:schemeClr val="tx1"/>
+                          </a:solidFill>
+                          <a:effectLst/>
+                        </a:rPr>
+                        <a:t>Anderson &amp; Smith</a:t>
+                      </a:r>
+                    </a:p>
+                  </a:txBody>
+                  <a:tcPr marT="91440" marB="91440"/>
+                </a:tc>
+                <a:tc>
+                  <a:txBody>
+                    <a:bodyPr/>
+                    <a:lstStyle/>
+                    <a:p>
+                      <a:pPr fontAlgn="t"/>
+                      <a:r>
+                        <a:rPr lang="en-US" sz="1400">
+                          <a:solidFill>
+                            <a:schemeClr val="tx1"/>
+                          </a:solidFill>
+                          <a:effectLst/>
+                        </a:rPr>
+                        <a:t>U-Net Segmentation with Post-Processing</a:t>
+                      </a:r>
+                    </a:p>
+                  </a:txBody>
+                  <a:tcPr marT="91440" marB="91440"/>
+                </a:tc>
+                <a:tc>
+                  <a:txBody>
+                    <a:bodyPr/>
+                    <a:lstStyle/>
+                    <a:p>
+                      <a:pPr fontAlgn="t"/>
+                      <a:r>
+                        <a:rPr lang="es-ES" sz="1400">
+                          <a:solidFill>
+                            <a:schemeClr val="tx1"/>
+                          </a:solidFill>
+                          <a:effectLst/>
+                        </a:rPr>
+                        <a:t>LIDC Dataset + Mayo Clinic Data</a:t>
+                      </a:r>
+                    </a:p>
+                  </a:txBody>
+                  <a:tcPr marT="91440" marB="91440"/>
+                </a:tc>
+                <a:tc>
+                  <a:txBody>
+                    <a:bodyPr/>
+                    <a:lstStyle/>
+                    <a:p>
+                      <a:pPr fontAlgn="t"/>
+                      <a:r>
+                        <a:rPr lang="en-US" sz="1400">
+                          <a:solidFill>
+                            <a:schemeClr val="tx1"/>
+                          </a:solidFill>
+                          <a:effectLst/>
+                        </a:rPr>
+                        <a:t>89.1% segmentation accuracy; effective boundary delineation; useful for nodule size measurement and follow-up</a:t>
+                      </a:r>
+                    </a:p>
+                  </a:txBody>
+                  <a:tcPr marT="91440" marB="91440"/>
+                </a:tc>
+                <a:tc>
+                  <a:txBody>
+                    <a:bodyPr/>
+                    <a:lstStyle/>
+                    <a:p>
+                      <a:pPr fontAlgn="t"/>
+                      <a:r>
+                        <a:rPr lang="en-US" sz="1400" dirty="0">
+                          <a:solidFill>
+                            <a:schemeClr val="tx1"/>
+                          </a:solidFill>
+                          <a:effectLst/>
+                        </a:rPr>
+                        <a:t>Requires manual annotation; high computational cost; not suitable for real-time screening</a:t>
+                      </a:r>
+                    </a:p>
+                  </a:txBody>
+                  <a:tcPr marT="91440" marB="91440"/>
+                </a:tc>
+                <a:extLst>
+                  <a:ext uri="{0D108BD9-81ED-4DB2-BD59-A6C34878D82A}">
+                    <a16:rowId xmlns:a16="http://schemas.microsoft.com/office/drawing/2014/main" val="1880755410"/>
+                  </a:ext>
+                </a:extLst>
+              </a:tr>
+            </a:tbl>
+          </a:graphicData>
+        </a:graphic>
+      </p:graphicFrame>
+    </p:spTree>
+    <p:extLst>
+      <p:ext uri="{BB962C8B-B14F-4D97-AF65-F5344CB8AC3E}">
+        <p14:creationId xmlns:p14="http://schemas.microsoft.com/office/powerpoint/2010/main" val="3967447452"/>
+      </p:ext>
+    </p:extLst>
+  </p:cSld>
+  <p:clrMapOvr>
+    <a:masterClrMapping/>
+  </p:clrMapOvr>
+</p:sld>
+</file>
+
+<file path=ppt/slides/slide6.xml><?xml version="1.0" encoding="utf-8"?>
+<p:sld xmlns:a="http://schemas.openxmlformats.org/drawingml/2006/main" xmlns:r="http://schemas.openxmlformats.org/officeDocument/2006/relationships" xmlns:p="http://schemas.openxmlformats.org/presentationml/2006/main">
+  <p:cSld>
+    <p:spTree>
+      <p:nvGrpSpPr>
         <p:cNvPr id="1" name="Shape 162"/>
         <p:cNvGrpSpPr/>
         <p:nvPr/>
@@ -8557,7 +9774,7 @@
             <a:fld id="{00000000-1234-1234-1234-123412341234}" type="slidenum">
               <a:rPr lang="en-US" smtClean="0"/>
               <a:pPr/>
-              <a:t>5</a:t>
+              <a:t>6</a:t>
             </a:fld>
             <a:endParaRPr lang="en-US" dirty="0"/>
           </a:p>
@@ -8808,7 +10025,7 @@
 </p:sld>
 </file>
 
-<file path=ppt/slides/slide6.xml><?xml version="1.0" encoding="utf-8"?>
+<file path=ppt/slides/slide7.xml><?xml version="1.0" encoding="utf-8"?>
 <p:sld xmlns:a="http://schemas.openxmlformats.org/drawingml/2006/main" xmlns:r="http://schemas.openxmlformats.org/officeDocument/2006/relationships" xmlns:p="http://schemas.openxmlformats.org/presentationml/2006/main">
   <p:cSld>
     <p:spTree>
@@ -8886,7 +10103,7 @@
         <p:spPr>
           <a:xfrm>
             <a:off x="0" y="1457185"/>
-            <a:ext cx="11702432" cy="6101640"/>
+            <a:ext cx="12096750" cy="6101640"/>
           </a:xfrm>
         </p:spPr>
         <p:txBody>
@@ -8900,13 +10117,27 @@
               <a:defRPr/>
             </a:pPr>
             <a:r>
-              <a:rPr lang="en-US" dirty="0">
+              <a:rPr lang="en-US" sz="2000" dirty="0">
                 <a:latin typeface="Times New Roman" panose="02020603050405020304" pitchFamily="18" charset="0"/>
                 <a:cs typeface="Times New Roman" panose="02020603050405020304" pitchFamily="18" charset="0"/>
               </a:rPr>
-              <a:t>Despite CT screening, CNNs lose important spatial information causing high false positives in lung nodule detection; this study tests whether CapsNets, with dynamic routing, reduce false positives and improve diagnostic precision.</a:t>
-            </a:r>
-            <a:endParaRPr lang="en-US" dirty="0">
+              <a:t>	No prior research has compared Capsule Neural Networks with Convolutional Neural Networks for lung nodule detection (Kumar et al., 2015; Shin et al., 2016; Ma et al., 2024; Hendrix et al., 2024; </a:t>
+            </a:r>
+            <a:r>
+              <a:rPr lang="en-US" sz="2000" dirty="0" err="1">
+                <a:latin typeface="Times New Roman" panose="02020603050405020304" pitchFamily="18" charset="0"/>
+                <a:cs typeface="Times New Roman" panose="02020603050405020304" pitchFamily="18" charset="0"/>
+              </a:rPr>
+              <a:t>Xue</a:t>
+            </a:r>
+            <a:r>
+              <a:rPr lang="en-US" sz="2000" dirty="0">
+                <a:latin typeface="Times New Roman" panose="02020603050405020304" pitchFamily="18" charset="0"/>
+                <a:cs typeface="Times New Roman" panose="02020603050405020304" pitchFamily="18" charset="0"/>
+              </a:rPr>
+              <a:t> et al., 2025). While traditional CNNs achieve accuracies ranging from 85% to 96.9%, their pooling layers continue to discard critical spatial information essential for precise nodule characterization (Ma et al., 2024; Hendrix et al., 2024). Additionally, CNN-based systems still produce false positive rates of approximately 1 per scan, limiting their clinical applicability (Hendrix et al., 2024). Furthermore, existing deep learning models demonstrate poor generalization across different hospital imaging equipment and struggle with limited training datasets (Shin et al., 2016; Kumar et al., 2015).</a:t>
+            </a:r>
+            <a:endParaRPr lang="en-US" sz="2000" dirty="0">
               <a:solidFill>
                 <a:srgbClr val="222222"/>
               </a:solidFill>
@@ -8929,7 +10160,7 @@
 </p:sld>
 </file>
 
-<file path=ppt/slides/slide7.xml><?xml version="1.0" encoding="utf-8"?>
+<file path=ppt/slides/slide8.xml><?xml version="1.0" encoding="utf-8"?>
 <p:sld xmlns:a="http://schemas.openxmlformats.org/drawingml/2006/main" xmlns:r="http://schemas.openxmlformats.org/officeDocument/2006/relationships" xmlns:p="http://schemas.openxmlformats.org/presentationml/2006/main">
   <p:cSld>
     <p:spTree>
@@ -9046,7 +10277,7 @@
 </p:sld>
 </file>
 
-<file path=ppt/slides/slide8.xml><?xml version="1.0" encoding="utf-8"?>
+<file path=ppt/slides/slide9.xml><?xml version="1.0" encoding="utf-8"?>
 <p:sld xmlns:a="http://schemas.openxmlformats.org/drawingml/2006/main" xmlns:r="http://schemas.openxmlformats.org/officeDocument/2006/relationships" xmlns:p="http://schemas.openxmlformats.org/presentationml/2006/main">
   <p:cSld>
     <p:spTree>
@@ -9150,703 +10381,40 @@
           </a:prstGeom>
         </p:spPr>
       </p:pic>
-    </p:spTree>
-    <p:extLst>
-      <p:ext uri="{BB962C8B-B14F-4D97-AF65-F5344CB8AC3E}">
-        <p14:creationId xmlns:p14="http://schemas.microsoft.com/office/powerpoint/2010/main" val="2496378562"/>
-      </p:ext>
-    </p:extLst>
-  </p:cSld>
-  <p:clrMapOvr>
-    <a:masterClrMapping/>
-  </p:clrMapOvr>
-</p:sld>
-</file>
-
-<file path=ppt/slides/slide9.xml><?xml version="1.0" encoding="utf-8"?>
-<p:sld xmlns:a="http://schemas.openxmlformats.org/drawingml/2006/main" xmlns:r="http://schemas.openxmlformats.org/officeDocument/2006/relationships" xmlns:p="http://schemas.openxmlformats.org/presentationml/2006/main">
-  <p:cSld>
-    <p:spTree>
-      <p:nvGrpSpPr>
-        <p:cNvPr id="1" name="">
-          <a:extLst>
-            <a:ext uri="{FF2B5EF4-FFF2-40B4-BE49-F238E27FC236}">
-              <a16:creationId xmlns:a16="http://schemas.microsoft.com/office/drawing/2014/main" id="{97F6EC81-9542-3ED9-9709-4282EB15C5F6}"/>
-            </a:ext>
-          </a:extLst>
-        </p:cNvPr>
-        <p:cNvGrpSpPr/>
-        <p:nvPr/>
-      </p:nvGrpSpPr>
-      <p:grpSpPr>
-        <a:xfrm>
-          <a:off x="0" y="0"/>
-          <a:ext cx="0" cy="0"/>
-          <a:chOff x="0" y="0"/>
-          <a:chExt cx="0" cy="0"/>
-        </a:xfrm>
-      </p:grpSpPr>
-      <p:sp>
-        <p:nvSpPr>
-          <p:cNvPr id="2" name="Title 1">
+      <p:pic>
+        <p:nvPicPr>
+          <p:cNvPr id="4" name="Picture 3">
             <a:extLst>
               <a:ext uri="{FF2B5EF4-FFF2-40B4-BE49-F238E27FC236}">
-                <a16:creationId xmlns:a16="http://schemas.microsoft.com/office/drawing/2014/main" id="{44B45102-00E6-66CC-8BD6-9F064E625367}"/>
+                <a16:creationId xmlns:a16="http://schemas.microsoft.com/office/drawing/2014/main" id="{69332E56-DB8D-47EB-A27D-22E589A6CDE6}"/>
               </a:ext>
             </a:extLst>
           </p:cNvPr>
-          <p:cNvSpPr>
-            <a:spLocks noGrp="1"/>
-          </p:cNvSpPr>
-          <p:nvPr>
-            <p:ph type="title"/>
-          </p:nvPr>
-        </p:nvSpPr>
+          <p:cNvPicPr>
+            <a:picLocks noChangeAspect="1"/>
+          </p:cNvPicPr>
+          <p:nvPr/>
+        </p:nvPicPr>
+        <p:blipFill>
+          <a:blip r:embed="rId3"/>
+          <a:stretch>
+            <a:fillRect/>
+          </a:stretch>
+        </p:blipFill>
         <p:spPr>
           <a:xfrm>
-            <a:off x="136466" y="474133"/>
-            <a:ext cx="10515600" cy="1325563"/>
-          </a:xfrm>
-        </p:spPr>
-        <p:txBody>
-          <a:bodyPr/>
-          <a:lstStyle/>
-          <a:p>
-            <a:r>
-              <a:rPr lang="en-US" sz="3600" b="1" dirty="0">
-                <a:solidFill>
-                  <a:srgbClr val="002060"/>
-                </a:solidFill>
-                <a:latin typeface="Cambria"/>
-                <a:ea typeface="Cambria"/>
-                <a:cs typeface="+mn-cs"/>
-              </a:rPr>
-              <a:t>Model Evaluation</a:t>
-            </a:r>
-            <a:br>
-              <a:rPr lang="en-US" sz="2000" dirty="0">
-                <a:latin typeface="Times New Roman" panose="02020603050405020304" charset="0"/>
-                <a:cs typeface="Times New Roman" panose="02020603050405020304" charset="0"/>
-                <a:sym typeface="+mn-ea"/>
-              </a:rPr>
-            </a:br>
-            <a:br>
-              <a:rPr lang="en-US" sz="2000" dirty="0"/>
-            </a:br>
-            <a:endParaRPr lang="en-US" sz="2000" b="1" dirty="0">
-              <a:solidFill>
-                <a:srgbClr val="002060"/>
-              </a:solidFill>
-              <a:latin typeface="Cambria" panose="02040503050406030204" pitchFamily="18" charset="0"/>
-              <a:ea typeface="Cambria" panose="02040503050406030204" pitchFamily="18" charset="0"/>
-              <a:cs typeface="+mn-cs"/>
-            </a:endParaRPr>
-          </a:p>
-        </p:txBody>
-      </p:sp>
-      <p:sp>
-        <p:nvSpPr>
-          <p:cNvPr id="3" name="Title 1">
-            <a:extLst>
-              <a:ext uri="{FF2B5EF4-FFF2-40B4-BE49-F238E27FC236}">
-                <a16:creationId xmlns:a16="http://schemas.microsoft.com/office/drawing/2014/main" id="{CB3033C1-BCB2-BC2C-1CA5-580D1CAE225A}"/>
-              </a:ext>
-            </a:extLst>
-          </p:cNvPr>
-          <p:cNvSpPr txBox="1">
-            <a:spLocks/>
-          </p:cNvSpPr>
-          <p:nvPr/>
-        </p:nvSpPr>
-        <p:spPr>
-          <a:xfrm>
-            <a:off x="249355" y="3719689"/>
-            <a:ext cx="10515600" cy="1325563"/>
+            <a:off x="0" y="1325563"/>
+            <a:ext cx="12192000" cy="5670863"/>
           </a:xfrm>
           <a:prstGeom prst="rect">
             <a:avLst/>
           </a:prstGeom>
         </p:spPr>
-        <p:txBody>
-          <a:bodyPr vert="horz" lIns="91440" tIns="45720" rIns="91440" bIns="45720" rtlCol="0" anchor="ctr">
-            <a:normAutofit/>
-          </a:bodyPr>
-          <a:lstStyle>
-            <a:lvl1pPr algn="l" defTabSz="914400" rtl="0" eaLnBrk="1" latinLnBrk="0" hangingPunct="1">
-              <a:lnSpc>
-                <a:spcPct val="90000"/>
-              </a:lnSpc>
-              <a:spcBef>
-                <a:spcPct val="0"/>
-              </a:spcBef>
-              <a:buNone/>
-              <a:defRPr sz="4400" kern="1200">
-                <a:solidFill>
-                  <a:schemeClr val="tx1"/>
-                </a:solidFill>
-                <a:latin typeface="+mj-lt"/>
-                <a:ea typeface="+mj-ea"/>
-                <a:cs typeface="+mj-cs"/>
-              </a:defRPr>
-            </a:lvl1pPr>
-          </a:lstStyle>
-          <a:p>
-            <a:endParaRPr lang="en-US" sz="2000" b="1" dirty="0">
-              <a:solidFill>
-                <a:srgbClr val="002060"/>
-              </a:solidFill>
-              <a:latin typeface="Cambria" panose="02040503050406030204" pitchFamily="18" charset="0"/>
-              <a:ea typeface="Cambria" panose="02040503050406030204" pitchFamily="18" charset="0"/>
-              <a:cs typeface="+mn-cs"/>
-            </a:endParaRPr>
-          </a:p>
-        </p:txBody>
-      </p:sp>
-      <p:sp>
-        <p:nvSpPr>
-          <p:cNvPr id="6" name="Rectangle 2">
-            <a:extLst>
-              <a:ext uri="{FF2B5EF4-FFF2-40B4-BE49-F238E27FC236}">
-                <a16:creationId xmlns:a16="http://schemas.microsoft.com/office/drawing/2014/main" id="{2243AAA9-295E-CE15-635D-BC24F3FE666F}"/>
-              </a:ext>
-            </a:extLst>
-          </p:cNvPr>
-          <p:cNvSpPr>
-            <a:spLocks noChangeArrowheads="1"/>
-          </p:cNvSpPr>
-          <p:nvPr/>
-        </p:nvSpPr>
-        <p:spPr bwMode="auto">
-          <a:xfrm rot="10800000" flipV="1">
-            <a:off x="388142" y="1275054"/>
-            <a:ext cx="11216836" cy="5442516"/>
-          </a:xfrm>
-          <a:prstGeom prst="rect">
-            <a:avLst/>
-          </a:prstGeom>
-          <a:noFill/>
-          <a:ln>
-            <a:noFill/>
-          </a:ln>
-          <a:effectLst/>
-          <a:extLst>
-            <a:ext uri="{909E8E84-426E-40DD-AFC4-6F175D3DCCD1}">
-              <a14:hiddenFill xmlns:a14="http://schemas.microsoft.com/office/drawing/2010/main">
-                <a:solidFill>
-                  <a:schemeClr val="accent1"/>
-                </a:solidFill>
-              </a14:hiddenFill>
-            </a:ext>
-            <a:ext uri="{91240B29-F687-4F45-9708-019B960494DF}">
-              <a14:hiddenLine xmlns:a14="http://schemas.microsoft.com/office/drawing/2010/main" w="9525">
-                <a:solidFill>
-                  <a:schemeClr val="tx1"/>
-                </a:solidFill>
-                <a:miter lim="800000"/>
-                <a:headEnd/>
-                <a:tailEnd/>
-              </a14:hiddenLine>
-            </a:ext>
-            <a:ext uri="{AF507438-7753-43E0-B8FC-AC1667EBCBE1}">
-              <a14:hiddenEffects xmlns:a14="http://schemas.microsoft.com/office/drawing/2010/main">
-                <a:effectLst>
-                  <a:outerShdw dist="35921" dir="2700000" algn="ctr" rotWithShape="0">
-                    <a:schemeClr val="bg2"/>
-                  </a:outerShdw>
-                </a:effectLst>
-              </a14:hiddenEffects>
-            </a:ext>
-          </a:extLst>
-        </p:spPr>
-        <p:txBody>
-          <a:bodyPr vert="horz" wrap="square" lIns="91440" tIns="45720" rIns="91440" bIns="45720" numCol="1" anchor="ctr" anchorCtr="0" compatLnSpc="1">
-            <a:prstTxWarp prst="textNoShape">
-              <a:avLst/>
-            </a:prstTxWarp>
-            <a:spAutoFit/>
-          </a:bodyPr>
-          <a:lstStyle/>
-          <a:p>
-            <a:pPr marL="285750" marR="0" lvl="0" indent="-285750" algn="just" defTabSz="914400" rtl="0" eaLnBrk="0" fontAlgn="base" latinLnBrk="0" hangingPunct="0">
-              <a:lnSpc>
-                <a:spcPct val="150000"/>
-              </a:lnSpc>
-              <a:spcBef>
-                <a:spcPct val="0"/>
-              </a:spcBef>
-              <a:spcAft>
-                <a:spcPct val="0"/>
-              </a:spcAft>
-              <a:buClrTx/>
-              <a:buSzTx/>
-              <a:buFont typeface="Arial" panose="020B0604020202020204" pitchFamily="34" charset="0"/>
-              <a:buChar char="•"/>
-              <a:tabLst/>
-            </a:pPr>
-            <a:r>
-              <a:rPr kumimoji="0" lang="en-US" altLang="en-US" sz="1800" b="0" i="0" u="none" strike="noStrike" cap="none" normalizeH="0" baseline="0" dirty="0">
-                <a:ln>
-                  <a:noFill/>
-                </a:ln>
-                <a:solidFill>
-                  <a:schemeClr val="tx1"/>
-                </a:solidFill>
-                <a:effectLst/>
-                <a:latin typeface="Arial" panose="020B0604020202020204" pitchFamily="34" charset="0"/>
-              </a:rPr>
-              <a:t>The developed CapsNet models will be evaluated using the </a:t>
-            </a:r>
-            <a:r>
-              <a:rPr kumimoji="0" lang="en-US" altLang="en-US" sz="1800" b="1" i="0" u="none" strike="noStrike" cap="none" normalizeH="0" baseline="0" dirty="0">
-                <a:ln>
-                  <a:noFill/>
-                </a:ln>
-                <a:solidFill>
-                  <a:schemeClr val="tx1"/>
-                </a:solidFill>
-                <a:effectLst/>
-                <a:latin typeface="Arial" panose="020B0604020202020204" pitchFamily="34" charset="0"/>
-              </a:rPr>
-              <a:t>LIDC-IDRI dataset</a:t>
-            </a:r>
-            <a:r>
-              <a:rPr kumimoji="0" lang="en-US" altLang="en-US" sz="1800" b="0" i="0" u="none" strike="noStrike" cap="none" normalizeH="0" baseline="0" dirty="0">
-                <a:ln>
-                  <a:noFill/>
-                </a:ln>
-                <a:solidFill>
-                  <a:schemeClr val="tx1"/>
-                </a:solidFill>
-                <a:effectLst/>
-                <a:latin typeface="Arial" panose="020B0604020202020204" pitchFamily="34" charset="0"/>
-              </a:rPr>
-              <a:t> containing CT scan images annotated by expert radiologists.</a:t>
-            </a:r>
-          </a:p>
-          <a:p>
-            <a:pPr marL="285750" marR="0" lvl="0" indent="-285750" algn="just" defTabSz="914400" rtl="0" eaLnBrk="0" fontAlgn="base" latinLnBrk="0" hangingPunct="0">
-              <a:lnSpc>
-                <a:spcPct val="150000"/>
-              </a:lnSpc>
-              <a:spcBef>
-                <a:spcPct val="0"/>
-              </a:spcBef>
-              <a:spcAft>
-                <a:spcPct val="0"/>
-              </a:spcAft>
-              <a:buClrTx/>
-              <a:buSzTx/>
-              <a:buFont typeface="Arial" panose="020B0604020202020204" pitchFamily="34" charset="0"/>
-              <a:buChar char="•"/>
-              <a:tabLst/>
-            </a:pPr>
-            <a:r>
-              <a:rPr kumimoji="0" lang="en-US" altLang="en-US" sz="1800" b="0" i="0" u="none" strike="noStrike" cap="none" normalizeH="0" baseline="0" dirty="0">
-                <a:ln>
-                  <a:noFill/>
-                </a:ln>
-                <a:solidFill>
-                  <a:schemeClr val="tx1"/>
-                </a:solidFill>
-                <a:effectLst/>
-                <a:latin typeface="Arial" panose="020B0604020202020204" pitchFamily="34" charset="0"/>
-              </a:rPr>
-              <a:t>Performance will be measured through standard metrics:</a:t>
-            </a:r>
-          </a:p>
-          <a:p>
-            <a:pPr marL="742950" lvl="1" indent="-285750" algn="just" eaLnBrk="0" fontAlgn="base" hangingPunct="0">
-              <a:lnSpc>
-                <a:spcPct val="150000"/>
-              </a:lnSpc>
-              <a:spcBef>
-                <a:spcPct val="0"/>
-              </a:spcBef>
-              <a:spcAft>
-                <a:spcPct val="0"/>
-              </a:spcAft>
-              <a:buFont typeface="Arial" panose="020B0604020202020204" pitchFamily="34" charset="0"/>
-              <a:buChar char="•"/>
-            </a:pPr>
-            <a:r>
-              <a:rPr kumimoji="0" lang="en-US" altLang="en-US" b="1" i="0" u="none" strike="noStrike" cap="none" normalizeH="0" baseline="0" dirty="0">
-                <a:ln>
-                  <a:noFill/>
-                </a:ln>
-                <a:solidFill>
-                  <a:schemeClr val="tx1"/>
-                </a:solidFill>
-                <a:effectLst/>
-                <a:latin typeface="Arial" panose="020B0604020202020204" pitchFamily="34" charset="0"/>
-              </a:rPr>
-              <a:t> Accuracy</a:t>
-            </a:r>
-            <a:r>
-              <a:rPr kumimoji="0" lang="en-US" altLang="en-US" b="0" i="0" u="none" strike="noStrike" cap="none" normalizeH="0" baseline="0" dirty="0">
-                <a:ln>
-                  <a:noFill/>
-                </a:ln>
-                <a:solidFill>
-                  <a:schemeClr val="tx1"/>
-                </a:solidFill>
-                <a:effectLst/>
-                <a:latin typeface="Arial" panose="020B0604020202020204" pitchFamily="34" charset="0"/>
-              </a:rPr>
-              <a:t> – Overall model correctness</a:t>
-            </a:r>
-          </a:p>
-          <a:p>
-            <a:pPr marL="742950" lvl="1" indent="-285750" algn="just" eaLnBrk="0" fontAlgn="base" hangingPunct="0">
-              <a:lnSpc>
-                <a:spcPct val="150000"/>
-              </a:lnSpc>
-              <a:spcBef>
-                <a:spcPct val="0"/>
-              </a:spcBef>
-              <a:spcAft>
-                <a:spcPct val="0"/>
-              </a:spcAft>
-              <a:buFont typeface="Arial" panose="020B0604020202020204" pitchFamily="34" charset="0"/>
-              <a:buChar char="•"/>
-            </a:pPr>
-            <a:r>
-              <a:rPr kumimoji="0" lang="en-US" altLang="en-US" b="1" i="0" u="none" strike="noStrike" cap="none" normalizeH="0" baseline="0" dirty="0">
-                <a:ln>
-                  <a:noFill/>
-                </a:ln>
-                <a:solidFill>
-                  <a:schemeClr val="tx1"/>
-                </a:solidFill>
-                <a:effectLst/>
-                <a:latin typeface="Arial" panose="020B0604020202020204" pitchFamily="34" charset="0"/>
-              </a:rPr>
-              <a:t> Sensitivity</a:t>
-            </a:r>
-            <a:r>
-              <a:rPr kumimoji="0" lang="en-US" altLang="en-US" b="0" i="0" u="none" strike="noStrike" cap="none" normalizeH="0" baseline="0" dirty="0">
-                <a:ln>
-                  <a:noFill/>
-                </a:ln>
-                <a:solidFill>
-                  <a:schemeClr val="tx1"/>
-                </a:solidFill>
-                <a:effectLst/>
-                <a:latin typeface="Arial" panose="020B0604020202020204" pitchFamily="34" charset="0"/>
-              </a:rPr>
-              <a:t> – Ability to detect actual nodules</a:t>
-            </a:r>
-          </a:p>
-          <a:p>
-            <a:pPr marL="742950" lvl="1" indent="-285750" algn="just" eaLnBrk="0" fontAlgn="base" hangingPunct="0">
-              <a:lnSpc>
-                <a:spcPct val="150000"/>
-              </a:lnSpc>
-              <a:spcBef>
-                <a:spcPct val="0"/>
-              </a:spcBef>
-              <a:spcAft>
-                <a:spcPct val="0"/>
-              </a:spcAft>
-              <a:buFont typeface="Arial" panose="020B0604020202020204" pitchFamily="34" charset="0"/>
-              <a:buChar char="•"/>
-            </a:pPr>
-            <a:r>
-              <a:rPr kumimoji="0" lang="en-US" altLang="en-US" b="1" i="0" u="none" strike="noStrike" cap="none" normalizeH="0" baseline="0" dirty="0">
-                <a:ln>
-                  <a:noFill/>
-                </a:ln>
-                <a:solidFill>
-                  <a:schemeClr val="tx1"/>
-                </a:solidFill>
-                <a:effectLst/>
-                <a:latin typeface="Arial" panose="020B0604020202020204" pitchFamily="34" charset="0"/>
-              </a:rPr>
-              <a:t>Specificity</a:t>
-            </a:r>
-            <a:r>
-              <a:rPr kumimoji="0" lang="en-US" altLang="en-US" b="0" i="0" u="none" strike="noStrike" cap="none" normalizeH="0" baseline="0" dirty="0">
-                <a:ln>
-                  <a:noFill/>
-                </a:ln>
-                <a:solidFill>
-                  <a:schemeClr val="tx1"/>
-                </a:solidFill>
-                <a:effectLst/>
-                <a:latin typeface="Arial" panose="020B0604020202020204" pitchFamily="34" charset="0"/>
-              </a:rPr>
-              <a:t> – Ability to identify non-nodule regions</a:t>
-            </a:r>
-          </a:p>
-          <a:p>
-            <a:pPr marL="742950" lvl="1" indent="-285750" algn="just" eaLnBrk="0" fontAlgn="base" hangingPunct="0">
-              <a:lnSpc>
-                <a:spcPct val="150000"/>
-              </a:lnSpc>
-              <a:spcBef>
-                <a:spcPct val="0"/>
-              </a:spcBef>
-              <a:spcAft>
-                <a:spcPct val="0"/>
-              </a:spcAft>
-              <a:buFont typeface="Arial" panose="020B0604020202020204" pitchFamily="34" charset="0"/>
-              <a:buChar char="•"/>
-            </a:pPr>
-            <a:r>
-              <a:rPr kumimoji="0" lang="en-US" altLang="en-US" b="1" i="0" u="none" strike="noStrike" cap="none" normalizeH="0" baseline="0" dirty="0">
-                <a:ln>
-                  <a:noFill/>
-                </a:ln>
-                <a:solidFill>
-                  <a:schemeClr val="tx1"/>
-                </a:solidFill>
-                <a:effectLst/>
-                <a:latin typeface="Arial" panose="020B0604020202020204" pitchFamily="34" charset="0"/>
-              </a:rPr>
-              <a:t>False Positive Rate (FPR)</a:t>
-            </a:r>
-            <a:r>
-              <a:rPr kumimoji="0" lang="en-US" altLang="en-US" b="0" i="0" u="none" strike="noStrike" cap="none" normalizeH="0" baseline="0" dirty="0">
-                <a:ln>
-                  <a:noFill/>
-                </a:ln>
-                <a:solidFill>
-                  <a:schemeClr val="tx1"/>
-                </a:solidFill>
-                <a:effectLst/>
-                <a:latin typeface="Arial" panose="020B0604020202020204" pitchFamily="34" charset="0"/>
-              </a:rPr>
-              <a:t> – Measure of incorrect detections</a:t>
-            </a:r>
-          </a:p>
-          <a:p>
-            <a:pPr marL="285750" marR="0" lvl="0" indent="-285750" algn="just" defTabSz="914400" rtl="0" eaLnBrk="0" fontAlgn="base" latinLnBrk="0" hangingPunct="0">
-              <a:lnSpc>
-                <a:spcPct val="150000"/>
-              </a:lnSpc>
-              <a:spcBef>
-                <a:spcPct val="0"/>
-              </a:spcBef>
-              <a:spcAft>
-                <a:spcPct val="0"/>
-              </a:spcAft>
-              <a:buClrTx/>
-              <a:buSzTx/>
-              <a:buFont typeface="Arial" panose="020B0604020202020204" pitchFamily="34" charset="0"/>
-              <a:buChar char="•"/>
-              <a:tabLst/>
-            </a:pPr>
-            <a:r>
-              <a:rPr kumimoji="0" lang="en-US" altLang="en-US" sz="1800" b="0" i="0" u="none" strike="noStrike" cap="none" normalizeH="0" baseline="0" dirty="0">
-                <a:ln>
-                  <a:noFill/>
-                </a:ln>
-                <a:solidFill>
-                  <a:schemeClr val="tx1"/>
-                </a:solidFill>
-                <a:effectLst/>
-                <a:latin typeface="Arial" panose="020B0604020202020204" pitchFamily="34" charset="0"/>
-              </a:rPr>
-              <a:t>Comparative analysis will be conducted between </a:t>
-            </a:r>
-            <a:r>
-              <a:rPr kumimoji="0" lang="en-US" altLang="en-US" sz="1800" b="1" i="0" u="none" strike="noStrike" cap="none" normalizeH="0" baseline="0" dirty="0">
-                <a:ln>
-                  <a:noFill/>
-                </a:ln>
-                <a:solidFill>
-                  <a:schemeClr val="tx1"/>
-                </a:solidFill>
-                <a:effectLst/>
-                <a:latin typeface="Arial" panose="020B0604020202020204" pitchFamily="34" charset="0"/>
-              </a:rPr>
-              <a:t>CNN</a:t>
-            </a:r>
-            <a:r>
-              <a:rPr kumimoji="0" lang="en-US" altLang="en-US" sz="1800" b="0" i="0" u="none" strike="noStrike" cap="none" normalizeH="0" baseline="0" dirty="0">
-                <a:ln>
-                  <a:noFill/>
-                </a:ln>
-                <a:solidFill>
-                  <a:schemeClr val="tx1"/>
-                </a:solidFill>
-                <a:effectLst/>
-                <a:latin typeface="Arial" panose="020B0604020202020204" pitchFamily="34" charset="0"/>
-              </a:rPr>
-              <a:t> and </a:t>
-            </a:r>
-            <a:r>
-              <a:rPr kumimoji="0" lang="en-US" altLang="en-US" sz="1800" b="1" i="0" u="none" strike="noStrike" cap="none" normalizeH="0" baseline="0" dirty="0">
-                <a:ln>
-                  <a:noFill/>
-                </a:ln>
-                <a:solidFill>
-                  <a:schemeClr val="tx1"/>
-                </a:solidFill>
-                <a:effectLst/>
-                <a:latin typeface="Arial" panose="020B0604020202020204" pitchFamily="34" charset="0"/>
-              </a:rPr>
-              <a:t>CapsNet</a:t>
-            </a:r>
-            <a:r>
-              <a:rPr kumimoji="0" lang="en-US" altLang="en-US" sz="1800" b="0" i="0" u="none" strike="noStrike" cap="none" normalizeH="0" baseline="0" dirty="0">
-                <a:ln>
-                  <a:noFill/>
-                </a:ln>
-                <a:solidFill>
-                  <a:schemeClr val="tx1"/>
-                </a:solidFill>
-                <a:effectLst/>
-                <a:latin typeface="Arial" panose="020B0604020202020204" pitchFamily="34" charset="0"/>
-              </a:rPr>
-              <a:t> models using identical datasets and preprocessing parameters.</a:t>
-            </a:r>
-          </a:p>
-          <a:p>
-            <a:pPr marL="285750" marR="0" lvl="0" indent="-285750" algn="just" defTabSz="914400" rtl="0" eaLnBrk="0" fontAlgn="base" latinLnBrk="0" hangingPunct="0">
-              <a:lnSpc>
-                <a:spcPct val="150000"/>
-              </a:lnSpc>
-              <a:spcBef>
-                <a:spcPct val="0"/>
-              </a:spcBef>
-              <a:spcAft>
-                <a:spcPct val="0"/>
-              </a:spcAft>
-              <a:buClrTx/>
-              <a:buSzTx/>
-              <a:buFont typeface="Arial" panose="020B0604020202020204" pitchFamily="34" charset="0"/>
-              <a:buChar char="•"/>
-              <a:tabLst/>
-            </a:pPr>
-            <a:r>
-              <a:rPr kumimoji="0" lang="en-US" altLang="en-US" sz="1800" b="0" i="0" u="none" strike="noStrike" cap="none" normalizeH="0" baseline="0" dirty="0">
-                <a:ln>
-                  <a:noFill/>
-                </a:ln>
-                <a:solidFill>
-                  <a:schemeClr val="tx1"/>
-                </a:solidFill>
-                <a:effectLst/>
-                <a:latin typeface="Arial" panose="020B0604020202020204" pitchFamily="34" charset="0"/>
-              </a:rPr>
-              <a:t>Statistical validation will confirm improvements achieved through spatial hierarchy preservation in CapsNets.</a:t>
-            </a:r>
-          </a:p>
-          <a:p>
-            <a:pPr marL="285750" marR="0" lvl="0" indent="-285750" algn="just" defTabSz="914400" rtl="0" eaLnBrk="0" fontAlgn="base" latinLnBrk="0" hangingPunct="0">
-              <a:lnSpc>
-                <a:spcPct val="150000"/>
-              </a:lnSpc>
-              <a:spcBef>
-                <a:spcPct val="0"/>
-              </a:spcBef>
-              <a:spcAft>
-                <a:spcPct val="0"/>
-              </a:spcAft>
-              <a:buClrTx/>
-              <a:buSzTx/>
-              <a:buFont typeface="Arial" panose="020B0604020202020204" pitchFamily="34" charset="0"/>
-              <a:buChar char="•"/>
-              <a:tabLst/>
-            </a:pPr>
-            <a:r>
-              <a:rPr kumimoji="0" lang="en-US" altLang="en-US" sz="1800" b="0" i="0" u="none" strike="noStrike" cap="none" normalizeH="0" baseline="0" dirty="0">
-                <a:ln>
-                  <a:noFill/>
-                </a:ln>
-                <a:solidFill>
-                  <a:schemeClr val="tx1"/>
-                </a:solidFill>
-                <a:effectLst/>
-                <a:latin typeface="Arial" panose="020B0604020202020204" pitchFamily="34" charset="0"/>
-              </a:rPr>
-              <a:t>Visualization tools such as </a:t>
-            </a:r>
-            <a:r>
-              <a:rPr kumimoji="0" lang="en-US" altLang="en-US" sz="1800" b="1" i="0" u="none" strike="noStrike" cap="none" normalizeH="0" baseline="0" dirty="0">
-                <a:ln>
-                  <a:noFill/>
-                </a:ln>
-                <a:solidFill>
-                  <a:schemeClr val="tx1"/>
-                </a:solidFill>
-                <a:effectLst/>
-                <a:latin typeface="Arial" panose="020B0604020202020204" pitchFamily="34" charset="0"/>
-              </a:rPr>
-              <a:t>ROC curves</a:t>
-            </a:r>
-            <a:r>
-              <a:rPr kumimoji="0" lang="en-US" altLang="en-US" sz="1800" b="0" i="0" u="none" strike="noStrike" cap="none" normalizeH="0" baseline="0" dirty="0">
-                <a:ln>
-                  <a:noFill/>
-                </a:ln>
-                <a:solidFill>
-                  <a:schemeClr val="tx1"/>
-                </a:solidFill>
-                <a:effectLst/>
-                <a:latin typeface="Arial" panose="020B0604020202020204" pitchFamily="34" charset="0"/>
-              </a:rPr>
-              <a:t>, </a:t>
-            </a:r>
-            <a:r>
-              <a:rPr kumimoji="0" lang="en-US" altLang="en-US" sz="1800" b="1" i="0" u="none" strike="noStrike" cap="none" normalizeH="0" baseline="0" dirty="0">
-                <a:ln>
-                  <a:noFill/>
-                </a:ln>
-                <a:solidFill>
-                  <a:schemeClr val="tx1"/>
-                </a:solidFill>
-                <a:effectLst/>
-                <a:latin typeface="Arial" panose="020B0604020202020204" pitchFamily="34" charset="0"/>
-              </a:rPr>
-              <a:t>confusion matrices</a:t>
-            </a:r>
-            <a:r>
-              <a:rPr kumimoji="0" lang="en-US" altLang="en-US" sz="1800" b="0" i="0" u="none" strike="noStrike" cap="none" normalizeH="0" baseline="0" dirty="0">
-                <a:ln>
-                  <a:noFill/>
-                </a:ln>
-                <a:solidFill>
-                  <a:schemeClr val="tx1"/>
-                </a:solidFill>
-                <a:effectLst/>
-                <a:latin typeface="Arial" panose="020B0604020202020204" pitchFamily="34" charset="0"/>
-              </a:rPr>
-              <a:t>, and </a:t>
-            </a:r>
-            <a:r>
-              <a:rPr kumimoji="0" lang="en-US" altLang="en-US" sz="1800" b="1" i="0" u="none" strike="noStrike" cap="none" normalizeH="0" baseline="0" dirty="0">
-                <a:ln>
-                  <a:noFill/>
-                </a:ln>
-                <a:solidFill>
-                  <a:schemeClr val="tx1"/>
-                </a:solidFill>
-                <a:effectLst/>
-                <a:latin typeface="Arial" panose="020B0604020202020204" pitchFamily="34" charset="0"/>
-              </a:rPr>
-              <a:t>performance graphs</a:t>
-            </a:r>
-            <a:r>
-              <a:rPr kumimoji="0" lang="en-US" altLang="en-US" sz="1800" b="0" i="0" u="none" strike="noStrike" cap="none" normalizeH="0" baseline="0" dirty="0">
-                <a:ln>
-                  <a:noFill/>
-                </a:ln>
-                <a:solidFill>
-                  <a:schemeClr val="tx1"/>
-                </a:solidFill>
-                <a:effectLst/>
-                <a:latin typeface="Arial" panose="020B0604020202020204" pitchFamily="34" charset="0"/>
-              </a:rPr>
-              <a:t> will be used for result interpretation.</a:t>
-            </a:r>
-          </a:p>
-        </p:txBody>
-      </p:sp>
+      </p:pic>
     </p:spTree>
     <p:extLst>
       <p:ext uri="{BB962C8B-B14F-4D97-AF65-F5344CB8AC3E}">
-        <p14:creationId xmlns:p14="http://schemas.microsoft.com/office/powerpoint/2010/main" val="1562886884"/>
+        <p14:creationId xmlns:p14="http://schemas.microsoft.com/office/powerpoint/2010/main" val="2496378562"/>
       </p:ext>
     </p:extLst>
   </p:cSld>
